--- a/3.REVIEW.pptx
+++ b/3.REVIEW.pptx
@@ -5,7 +5,7 @@
     <p:sldMasterId id="2147483648" r:id="rId1"/>
   </p:sldMasterIdLst>
   <p:notesMasterIdLst>
-    <p:notesMasterId r:id="rId20"/>
+    <p:notesMasterId r:id="rId19"/>
   </p:notesMasterIdLst>
   <p:sldIdLst>
     <p:sldId id="256" r:id="rId2"/>
@@ -23,9 +23,8 @@
     <p:sldId id="276" r:id="rId14"/>
     <p:sldId id="277" r:id="rId15"/>
     <p:sldId id="271" r:id="rId16"/>
-    <p:sldId id="272" r:id="rId17"/>
-    <p:sldId id="273" r:id="rId18"/>
-    <p:sldId id="274" r:id="rId19"/>
+    <p:sldId id="273" r:id="rId17"/>
+    <p:sldId id="274" r:id="rId18"/>
   </p:sldIdLst>
   <p:sldSz cx="12192000" cy="6858000"/>
   <p:notesSz cx="6858000" cy="9144000"/>
@@ -214,7 +213,7 @@
           <a:p>
             <a:fld id="{CCF654A9-8673-4EA4-B42A-0BFDF09D7F71}" type="datetimeFigureOut">
               <a:rPr lang="en-IN" smtClean="0"/>
-              <a:t>15-06-2022</a:t>
+              <a:t>16-06-2022</a:t>
             </a:fld>
             <a:endParaRPr lang="en-IN"/>
           </a:p>
@@ -629,9 +628,9 @@
           <a:bodyPr/>
           <a:lstStyle/>
           <a:p>
-            <a:fld id="{352AD943-656C-440D-87C0-85289FEA939E}" type="datetime1">
+            <a:fld id="{C8170A5A-04A6-45BE-A66E-EB5FB61B3176}" type="datetime1">
               <a:rPr lang="en-IN" smtClean="0"/>
-              <a:t>15-06-2022</a:t>
+              <a:t>16-06-2022</a:t>
             </a:fld>
             <a:endParaRPr lang="en-IN"/>
           </a:p>
@@ -660,7 +659,7 @@
           <a:p>
             <a:r>
               <a:rPr lang="en-US"/>
-              <a:t>College of Engineering Trivandrum, MCA Department</a:t>
+              <a:t>Department of Computer Applications,CET Trivandrum</a:t>
             </a:r>
             <a:endParaRPr lang="en-IN"/>
           </a:p>
@@ -833,9 +832,9 @@
           <a:bodyPr/>
           <a:lstStyle/>
           <a:p>
-            <a:fld id="{AEF68D5B-DDF9-4E86-B5E8-6498E07BD04A}" type="datetime1">
+            <a:fld id="{E4147D8A-5FA7-4C31-86DC-18B9E90A0C46}" type="datetime1">
               <a:rPr lang="en-IN" smtClean="0"/>
-              <a:t>15-06-2022</a:t>
+              <a:t>16-06-2022</a:t>
             </a:fld>
             <a:endParaRPr lang="en-IN"/>
           </a:p>
@@ -864,7 +863,7 @@
           <a:p>
             <a:r>
               <a:rPr lang="en-US"/>
-              <a:t>College of Engineering Trivandrum, MCA Department</a:t>
+              <a:t>Department of Computer Applications,CET Trivandrum</a:t>
             </a:r>
             <a:endParaRPr lang="en-IN"/>
           </a:p>
@@ -1047,9 +1046,9 @@
           <a:bodyPr/>
           <a:lstStyle/>
           <a:p>
-            <a:fld id="{0E2F02E1-5C0B-45E4-9B06-71F5A5A04FEA}" type="datetime1">
+            <a:fld id="{1EF5FB74-B312-4901-86A9-3B08EFF12F30}" type="datetime1">
               <a:rPr lang="en-IN" smtClean="0"/>
-              <a:t>15-06-2022</a:t>
+              <a:t>16-06-2022</a:t>
             </a:fld>
             <a:endParaRPr lang="en-IN"/>
           </a:p>
@@ -1078,7 +1077,7 @@
           <a:p>
             <a:r>
               <a:rPr lang="en-US"/>
-              <a:t>College of Engineering Trivandrum, MCA Department</a:t>
+              <a:t>Department of Computer Applications,CET Trivandrum</a:t>
             </a:r>
             <a:endParaRPr lang="en-IN"/>
           </a:p>
@@ -1251,9 +1250,9 @@
           <a:bodyPr/>
           <a:lstStyle/>
           <a:p>
-            <a:fld id="{54924E9A-4959-4CF2-839D-61E089ED3F9C}" type="datetime1">
+            <a:fld id="{219F4A58-8F7E-47BB-9942-47E8623524A5}" type="datetime1">
               <a:rPr lang="en-IN" smtClean="0"/>
-              <a:t>15-06-2022</a:t>
+              <a:t>16-06-2022</a:t>
             </a:fld>
             <a:endParaRPr lang="en-IN"/>
           </a:p>
@@ -1282,7 +1281,7 @@
           <a:p>
             <a:r>
               <a:rPr lang="en-US"/>
-              <a:t>College of Engineering Trivandrum, MCA Department</a:t>
+              <a:t>Department of Computer Applications,CET Trivandrum</a:t>
             </a:r>
             <a:endParaRPr lang="en-IN"/>
           </a:p>
@@ -1531,9 +1530,9 @@
           <a:bodyPr/>
           <a:lstStyle/>
           <a:p>
-            <a:fld id="{AE9952D8-AA04-4E0E-A2F1-0404203A8C33}" type="datetime1">
+            <a:fld id="{836DC91D-60BA-484F-82DD-2CD3AEF581BE}" type="datetime1">
               <a:rPr lang="en-IN" smtClean="0"/>
-              <a:t>15-06-2022</a:t>
+              <a:t>16-06-2022</a:t>
             </a:fld>
             <a:endParaRPr lang="en-IN"/>
           </a:p>
@@ -1562,7 +1561,7 @@
           <a:p>
             <a:r>
               <a:rPr lang="en-US"/>
-              <a:t>College of Engineering Trivandrum, MCA Department</a:t>
+              <a:t>Department of Computer Applications,CET Trivandrum</a:t>
             </a:r>
             <a:endParaRPr lang="en-IN"/>
           </a:p>
@@ -1803,9 +1802,9 @@
           <a:bodyPr/>
           <a:lstStyle/>
           <a:p>
-            <a:fld id="{672B334C-DDC4-4D81-9B34-F397EC7AF368}" type="datetime1">
+            <a:fld id="{5700FEB5-EF95-4417-9DB7-DD9D4078A210}" type="datetime1">
               <a:rPr lang="en-IN" smtClean="0"/>
-              <a:t>15-06-2022</a:t>
+              <a:t>16-06-2022</a:t>
             </a:fld>
             <a:endParaRPr lang="en-IN"/>
           </a:p>
@@ -1834,7 +1833,7 @@
           <a:p>
             <a:r>
               <a:rPr lang="en-US"/>
-              <a:t>College of Engineering Trivandrum, MCA Department</a:t>
+              <a:t>Department of Computer Applications,CET Trivandrum</a:t>
             </a:r>
             <a:endParaRPr lang="en-IN"/>
           </a:p>
@@ -2222,9 +2221,9 @@
           <a:bodyPr/>
           <a:lstStyle/>
           <a:p>
-            <a:fld id="{3319A2BE-0343-437B-89A0-789B95407A96}" type="datetime1">
+            <a:fld id="{A8ECD905-C5FD-4748-A336-5A3A48043E71}" type="datetime1">
               <a:rPr lang="en-IN" smtClean="0"/>
-              <a:t>15-06-2022</a:t>
+              <a:t>16-06-2022</a:t>
             </a:fld>
             <a:endParaRPr lang="en-IN"/>
           </a:p>
@@ -2253,7 +2252,7 @@
           <a:p>
             <a:r>
               <a:rPr lang="en-US"/>
-              <a:t>College of Engineering Trivandrum, MCA Department</a:t>
+              <a:t>Department of Computer Applications,CET Trivandrum</a:t>
             </a:r>
             <a:endParaRPr lang="en-IN"/>
           </a:p>
@@ -2368,9 +2367,9 @@
           <a:bodyPr/>
           <a:lstStyle/>
           <a:p>
-            <a:fld id="{03407512-2AAC-4B36-85D6-CD6C05252C50}" type="datetime1">
+            <a:fld id="{8E482486-7A35-47B5-8F5F-B56AB4799310}" type="datetime1">
               <a:rPr lang="en-IN" smtClean="0"/>
-              <a:t>15-06-2022</a:t>
+              <a:t>16-06-2022</a:t>
             </a:fld>
             <a:endParaRPr lang="en-IN"/>
           </a:p>
@@ -2399,7 +2398,7 @@
           <a:p>
             <a:r>
               <a:rPr lang="en-US"/>
-              <a:t>College of Engineering Trivandrum, MCA Department</a:t>
+              <a:t>Department of Computer Applications,CET Trivandrum</a:t>
             </a:r>
             <a:endParaRPr lang="en-IN"/>
           </a:p>
@@ -2485,9 +2484,9 @@
           <a:bodyPr/>
           <a:lstStyle/>
           <a:p>
-            <a:fld id="{639757FA-2F6F-4540-8209-5B40A996A371}" type="datetime1">
+            <a:fld id="{3BB072F3-75B7-4DBD-BA65-C13B796FCC17}" type="datetime1">
               <a:rPr lang="en-IN" smtClean="0"/>
-              <a:t>15-06-2022</a:t>
+              <a:t>16-06-2022</a:t>
             </a:fld>
             <a:endParaRPr lang="en-IN"/>
           </a:p>
@@ -2516,7 +2515,7 @@
           <a:p>
             <a:r>
               <a:rPr lang="en-US"/>
-              <a:t>College of Engineering Trivandrum, MCA Department</a:t>
+              <a:t>Department of Computer Applications,CET Trivandrum</a:t>
             </a:r>
             <a:endParaRPr lang="en-IN"/>
           </a:p>
@@ -2802,9 +2801,9 @@
           <a:bodyPr/>
           <a:lstStyle/>
           <a:p>
-            <a:fld id="{89EF2667-4242-4F1D-A6B4-E5D9D7A0E057}" type="datetime1">
+            <a:fld id="{3BA5F461-02D4-4ED2-94EE-739E94156DA4}" type="datetime1">
               <a:rPr lang="en-IN" smtClean="0"/>
-              <a:t>15-06-2022</a:t>
+              <a:t>16-06-2022</a:t>
             </a:fld>
             <a:endParaRPr lang="en-IN"/>
           </a:p>
@@ -2833,7 +2832,7 @@
           <a:p>
             <a:r>
               <a:rPr lang="en-US"/>
-              <a:t>College of Engineering Trivandrum, MCA Department</a:t>
+              <a:t>Department of Computer Applications,CET Trivandrum</a:t>
             </a:r>
             <a:endParaRPr lang="en-IN"/>
           </a:p>
@@ -3095,9 +3094,9 @@
           <a:bodyPr/>
           <a:lstStyle/>
           <a:p>
-            <a:fld id="{71CF1FFB-BA9F-42A3-991E-B8D5A0A97309}" type="datetime1">
+            <a:fld id="{4F8774DE-1782-4DC2-9450-97A4ADC3A7E4}" type="datetime1">
               <a:rPr lang="en-IN" smtClean="0"/>
-              <a:t>15-06-2022</a:t>
+              <a:t>16-06-2022</a:t>
             </a:fld>
             <a:endParaRPr lang="en-IN"/>
           </a:p>
@@ -3126,7 +3125,7 @@
           <a:p>
             <a:r>
               <a:rPr lang="en-US"/>
-              <a:t>College of Engineering Trivandrum, MCA Department</a:t>
+              <a:t>Department of Computer Applications,CET Trivandrum</a:t>
             </a:r>
             <a:endParaRPr lang="en-IN"/>
           </a:p>
@@ -3342,9 +3341,9 @@
             </a:lvl1pPr>
           </a:lstStyle>
           <a:p>
-            <a:fld id="{9BED2B98-2D2D-4D26-996D-40ECCB3B8D13}" type="datetime1">
+            <a:fld id="{EC7DAF47-73A7-4D5A-9B6F-533412921954}" type="datetime1">
               <a:rPr lang="en-IN" smtClean="0"/>
-              <a:t>15-06-2022</a:t>
+              <a:t>16-06-2022</a:t>
             </a:fld>
             <a:endParaRPr lang="en-IN"/>
           </a:p>
@@ -3391,7 +3390,7 @@
           <a:p>
             <a:r>
               <a:rPr lang="en-US"/>
-              <a:t>College of Engineering Trivandrum, MCA Department</a:t>
+              <a:t>Department of Computer Applications,CET Trivandrum</a:t>
             </a:r>
             <a:endParaRPr lang="en-IN"/>
           </a:p>
@@ -4036,7 +4035,7 @@
           <a:p>
             <a:r>
               <a:rPr lang="en-US"/>
-              <a:t>College of Engineering Trivandrum, MCA Department</a:t>
+              <a:t>Department of Computer Applications,CET Trivandrum</a:t>
             </a:r>
             <a:endParaRPr lang="en-IN"/>
           </a:p>
@@ -4231,7 +4230,7 @@
           <a:p>
             <a:r>
               <a:rPr lang="en-US"/>
-              <a:t>College of Engineering Trivandrum, MCA Department</a:t>
+              <a:t>Department of Computer Applications,CET Trivandrum</a:t>
             </a:r>
             <a:endParaRPr lang="en-IN"/>
           </a:p>
@@ -4452,7 +4451,7 @@
           <a:p>
             <a:r>
               <a:rPr lang="en-US"/>
-              <a:t>College of Engineering Trivandrum, MCA Department</a:t>
+              <a:t>Department of Computer Applications,CET Trivandrum</a:t>
             </a:r>
             <a:endParaRPr lang="en-IN"/>
           </a:p>
@@ -4576,7 +4575,7 @@
           <a:p>
             <a:r>
               <a:rPr lang="en-US"/>
-              <a:t>College of Engineering Trivandrum, MCA Department</a:t>
+              <a:t>Department of Computer Applications,CET Trivandrum</a:t>
             </a:r>
             <a:endParaRPr lang="en-IN"/>
           </a:p>
@@ -5042,7 +5041,7 @@
                   <a:schemeClr val="tx1"/>
                 </a:solidFill>
               </a:rPr>
-              <a:t>MOISTURE&lt;THRESHOLD</a:t>
+              <a:t>MOISTURE&gt;THRESHOLD</a:t>
             </a:r>
           </a:p>
         </p:txBody>
@@ -5245,7 +5244,7 @@
                   <a:schemeClr val="tx1"/>
                 </a:solidFill>
               </a:rPr>
-              <a:t>&gt;=</a:t>
+              <a:t>&lt;=</a:t>
             </a:r>
           </a:p>
           <a:p>
@@ -6039,7 +6038,7 @@
           <a:p>
             <a:r>
               <a:rPr lang="en-US"/>
-              <a:t>College of Engineering Trivandrum, MCA Department</a:t>
+              <a:t>Department of Computer Applications,CET Trivandrum</a:t>
             </a:r>
             <a:endParaRPr lang="en-IN"/>
           </a:p>
@@ -7444,7 +7443,7 @@
           <a:p>
             <a:r>
               <a:rPr lang="en-US"/>
-              <a:t>College of Engineering Trivandrum, MCA Department</a:t>
+              <a:t>Department of Computer Applications,CET Trivandrum</a:t>
             </a:r>
             <a:endParaRPr lang="en-IN"/>
           </a:p>
@@ -8739,7 +8738,7 @@
           <a:p>
             <a:r>
               <a:rPr lang="en-US"/>
-              <a:t>College of Engineering Trivandrum, MCA Department</a:t>
+              <a:t>Department of Computer Applications,CET Trivandrum</a:t>
             </a:r>
             <a:endParaRPr lang="en-IN"/>
           </a:p>
@@ -9830,7 +9829,7 @@
           <p:cNvPr id="2" name="Title 1">
             <a:extLst>
               <a:ext uri="{FF2B5EF4-FFF2-40B4-BE49-F238E27FC236}">
-                <a16:creationId xmlns:a16="http://schemas.microsoft.com/office/drawing/2014/main" id="{15A7A0E9-A49D-AA16-219A-E169926E2142}"/>
+                <a16:creationId xmlns:a16="http://schemas.microsoft.com/office/drawing/2014/main" id="{FDA7958B-C004-1C16-F1D9-8600712F9F8B}"/>
               </a:ext>
             </a:extLst>
           </p:cNvPr>
@@ -9855,7 +9854,7 @@
           <p:cNvPr id="3" name="Content Placeholder 2">
             <a:extLst>
               <a:ext uri="{FF2B5EF4-FFF2-40B4-BE49-F238E27FC236}">
-                <a16:creationId xmlns:a16="http://schemas.microsoft.com/office/drawing/2014/main" id="{0BFE2279-D195-2914-AA27-77F0E254CAE3}"/>
+                <a16:creationId xmlns:a16="http://schemas.microsoft.com/office/drawing/2014/main" id="{BC11ED17-536D-47AA-4AC0-0BCE6E9D8F8D}"/>
               </a:ext>
             </a:extLst>
           </p:cNvPr>
@@ -9880,7 +9879,7 @@
           <p:cNvPr id="4" name="Footer Placeholder 3">
             <a:extLst>
               <a:ext uri="{FF2B5EF4-FFF2-40B4-BE49-F238E27FC236}">
-                <a16:creationId xmlns:a16="http://schemas.microsoft.com/office/drawing/2014/main" id="{B5BDE6B2-008D-8A64-3821-5B28A5BC4728}"/>
+                <a16:creationId xmlns:a16="http://schemas.microsoft.com/office/drawing/2014/main" id="{AC05752C-181A-36B9-38FC-7F80E4A53444}"/>
               </a:ext>
             </a:extLst>
           </p:cNvPr>
@@ -9898,7 +9897,7 @@
           <a:p>
             <a:r>
               <a:rPr lang="en-US"/>
-              <a:t>College of Engineering Trivandrum, MCA Department</a:t>
+              <a:t>Department of Computer Applications,CET Trivandrum</a:t>
             </a:r>
             <a:endParaRPr lang="en-IN"/>
           </a:p>
@@ -9909,7 +9908,7 @@
           <p:cNvPr id="5" name="Slide Number Placeholder 4">
             <a:extLst>
               <a:ext uri="{FF2B5EF4-FFF2-40B4-BE49-F238E27FC236}">
-                <a16:creationId xmlns:a16="http://schemas.microsoft.com/office/drawing/2014/main" id="{8D598989-16D3-BDC7-757D-C49D62912784}"/>
+                <a16:creationId xmlns:a16="http://schemas.microsoft.com/office/drawing/2014/main" id="{7CEB9D1E-F311-6D98-F920-B1C01B4D9ACB}"/>
               </a:ext>
             </a:extLst>
           </p:cNvPr>
@@ -9938,7 +9937,7 @@
           <p:cNvPr id="6" name="Footer Placeholder 3">
             <a:extLst>
               <a:ext uri="{FF2B5EF4-FFF2-40B4-BE49-F238E27FC236}">
-                <a16:creationId xmlns:a16="http://schemas.microsoft.com/office/drawing/2014/main" id="{D09CB8EC-EA04-0278-E4FC-DF9C1922BBD4}"/>
+                <a16:creationId xmlns:a16="http://schemas.microsoft.com/office/drawing/2014/main" id="{2DFB1138-4DAB-3F20-36C8-0020CDE95BF9}"/>
               </a:ext>
             </a:extLst>
           </p:cNvPr>
@@ -10069,7 +10068,7 @@
           <p:cNvPr id="7" name="Slide Number Placeholder 4">
             <a:extLst>
               <a:ext uri="{FF2B5EF4-FFF2-40B4-BE49-F238E27FC236}">
-                <a16:creationId xmlns:a16="http://schemas.microsoft.com/office/drawing/2014/main" id="{B3C92066-1A75-5BEF-255C-DE588F5730AF}"/>
+                <a16:creationId xmlns:a16="http://schemas.microsoft.com/office/drawing/2014/main" id="{FA93731E-016F-2856-4026-980831C07EB5}"/>
               </a:ext>
             </a:extLst>
           </p:cNvPr>
@@ -10201,7 +10200,7 @@
           <p:cNvPr id="8" name="Content Placeholder 7">
             <a:extLst>
               <a:ext uri="{FF2B5EF4-FFF2-40B4-BE49-F238E27FC236}">
-                <a16:creationId xmlns:a16="http://schemas.microsoft.com/office/drawing/2014/main" id="{418DAD88-B19A-61E8-81B6-188F207C0126}"/>
+                <a16:creationId xmlns:a16="http://schemas.microsoft.com/office/drawing/2014/main" id="{13D64D7B-C9AA-C710-7420-18515F3A3B6B}"/>
               </a:ext>
             </a:extLst>
           </p:cNvPr>
@@ -10237,7 +10236,7 @@
           <p:cNvPr id="9" name="Picture 2" descr="White Backgrounds, Free White Powerpoint Background - SlideBackground">
             <a:extLst>
               <a:ext uri="{FF2B5EF4-FFF2-40B4-BE49-F238E27FC236}">
-                <a16:creationId xmlns:a16="http://schemas.microsoft.com/office/drawing/2014/main" id="{04EE0126-70B2-77FB-1B95-E9883D6AE48D}"/>
+                <a16:creationId xmlns:a16="http://schemas.microsoft.com/office/drawing/2014/main" id="{68F63039-E069-B040-7C50-04D86D0603B1}"/>
               </a:ext>
             </a:extLst>
           </p:cNvPr>
@@ -10284,7 +10283,7 @@
           <p:cNvPr id="10" name="Footer Placeholder 4">
             <a:extLst>
               <a:ext uri="{FF2B5EF4-FFF2-40B4-BE49-F238E27FC236}">
-                <a16:creationId xmlns:a16="http://schemas.microsoft.com/office/drawing/2014/main" id="{CE804493-D8AC-0FDD-2825-EAE5E28DA362}"/>
+                <a16:creationId xmlns:a16="http://schemas.microsoft.com/office/drawing/2014/main" id="{8B2B853A-3B05-C584-DAD5-2D099EAD4C93}"/>
               </a:ext>
             </a:extLst>
           </p:cNvPr>
@@ -10415,7 +10414,7 @@
           <p:cNvPr id="11" name="Slide Number Placeholder 5">
             <a:extLst>
               <a:ext uri="{FF2B5EF4-FFF2-40B4-BE49-F238E27FC236}">
-                <a16:creationId xmlns:a16="http://schemas.microsoft.com/office/drawing/2014/main" id="{37987472-47C1-844A-3B6D-0D2C020B56AE}"/>
+                <a16:creationId xmlns:a16="http://schemas.microsoft.com/office/drawing/2014/main" id="{84E5A77C-E1E0-B794-5C5F-F67E4230E400}"/>
               </a:ext>
             </a:extLst>
           </p:cNvPr>
@@ -10547,7 +10546,7 @@
           <p:cNvPr id="12" name="Rectangle 11">
             <a:extLst>
               <a:ext uri="{FF2B5EF4-FFF2-40B4-BE49-F238E27FC236}">
-                <a16:creationId xmlns:a16="http://schemas.microsoft.com/office/drawing/2014/main" id="{E1B57D1B-67C1-F59F-EB0C-718FD72736DE}"/>
+                <a16:creationId xmlns:a16="http://schemas.microsoft.com/office/drawing/2014/main" id="{E1BEEC38-1059-706E-F95A-7035E9C1D0B1}"/>
               </a:ext>
             </a:extLst>
           </p:cNvPr>
@@ -10601,7 +10600,7 @@
                   <a:schemeClr val="tx1"/>
                 </a:solidFill>
               </a:rPr>
-              <a:t>CONCLUSION</a:t>
+              <a:t>REFERENCES</a:t>
             </a:r>
           </a:p>
         </p:txBody>
@@ -10611,7 +10610,7 @@
           <p:cNvPr id="13" name="TextBox 12">
             <a:extLst>
               <a:ext uri="{FF2B5EF4-FFF2-40B4-BE49-F238E27FC236}">
-                <a16:creationId xmlns:a16="http://schemas.microsoft.com/office/drawing/2014/main" id="{1E9DB4CC-1F3D-DCA5-3119-4BE8BB9C384C}"/>
+                <a16:creationId xmlns:a16="http://schemas.microsoft.com/office/drawing/2014/main" id="{3432B084-9ECD-B92E-FE92-1419C5446706}"/>
               </a:ext>
             </a:extLst>
           </p:cNvPr>
@@ -10620,8 +10619,8 @@
         </p:nvSpPr>
         <p:spPr>
           <a:xfrm>
-            <a:off x="1317812" y="1825625"/>
-            <a:ext cx="10710176" cy="3383106"/>
+            <a:off x="364081" y="1795089"/>
+            <a:ext cx="12007582" cy="6463308"/>
           </a:xfrm>
           <a:prstGeom prst="rect">
             <a:avLst/>
@@ -10635,75 +10634,296 @@
           <a:lstStyle/>
           <a:p>
             <a:pPr marL="285750" indent="-285750">
-              <a:lnSpc>
-                <a:spcPct val="200000"/>
-              </a:lnSpc>
-              <a:buFont typeface="Wingdings" panose="05000000000000000000" pitchFamily="2" charset="2"/>
-              <a:buChar char="q"/>
+              <a:buFont typeface="Arial" panose="020B0604020202020204" pitchFamily="34" charset="0"/>
+              <a:buChar char="•"/>
             </a:pPr>
             <a:r>
-              <a:rPr lang="en-IN" sz="2200" dirty="0"/>
-              <a:t>Smart irrigation is a water irrigation system using IoT.</a:t>
-            </a:r>
+              <a:rPr lang="en-IN" b="0" i="0" dirty="0">
+                <a:solidFill>
+                  <a:srgbClr val="333333"/>
+                </a:solidFill>
+                <a:effectLst/>
+                <a:latin typeface="Arial" panose="020B0604020202020204" pitchFamily="34" charset="0"/>
+              </a:rPr>
+              <a:t>M. Rohith, R. Sainivedhana and N. Sabiyath Fatima, "IoT Enabled Smart Farming and Irrigation System," </a:t>
+            </a:r>
+            <a:r>
+              <a:rPr lang="en-IN" b="0" i="1" dirty="0">
+                <a:solidFill>
+                  <a:srgbClr val="333333"/>
+                </a:solidFill>
+                <a:effectLst/>
+                <a:latin typeface="Arial" panose="020B0604020202020204" pitchFamily="34" charset="0"/>
+              </a:rPr>
+              <a:t>2021 </a:t>
+            </a:r>
+          </a:p>
+          <a:p>
+            <a:r>
+              <a:rPr lang="en-IN" b="0" i="1" dirty="0">
+                <a:solidFill>
+                  <a:srgbClr val="333333"/>
+                </a:solidFill>
+                <a:effectLst/>
+                <a:latin typeface="Arial" panose="020B0604020202020204" pitchFamily="34" charset="0"/>
+              </a:rPr>
+              <a:t>5th International Conference on Intelligent Computing and Control Systems (ICICCS)</a:t>
+            </a:r>
+            <a:r>
+              <a:rPr lang="en-IN" b="0" i="0" dirty="0">
+                <a:solidFill>
+                  <a:srgbClr val="333333"/>
+                </a:solidFill>
+                <a:effectLst/>
+                <a:latin typeface="Arial" panose="020B0604020202020204" pitchFamily="34" charset="0"/>
+              </a:rPr>
+              <a:t>, 2021, pp. 434-439, doi: </a:t>
+            </a:r>
+          </a:p>
+          <a:p>
+            <a:r>
+              <a:rPr lang="en-IN" b="0" i="0" dirty="0">
+                <a:solidFill>
+                  <a:srgbClr val="333333"/>
+                </a:solidFill>
+                <a:effectLst/>
+                <a:latin typeface="Arial" panose="020B0604020202020204" pitchFamily="34" charset="0"/>
+              </a:rPr>
+              <a:t>10.1109/ICICCS51141.2021.9432085.</a:t>
+            </a:r>
+          </a:p>
+          <a:p>
+            <a:endParaRPr lang="en-IN" b="0" i="0" dirty="0">
+              <a:solidFill>
+                <a:srgbClr val="333333"/>
+              </a:solidFill>
+              <a:effectLst/>
+              <a:latin typeface="Arial" panose="020B0604020202020204" pitchFamily="34" charset="0"/>
+            </a:endParaRPr>
+          </a:p>
+          <a:p>
+            <a:endParaRPr lang="en-IN" dirty="0">
+              <a:solidFill>
+                <a:srgbClr val="333333"/>
+              </a:solidFill>
+              <a:latin typeface="Arial" panose="020B0604020202020204" pitchFamily="34" charset="0"/>
+            </a:endParaRPr>
           </a:p>
           <a:p>
             <a:pPr marL="285750" indent="-285750">
-              <a:lnSpc>
-                <a:spcPct val="200000"/>
-              </a:lnSpc>
-              <a:buFont typeface="Wingdings" panose="05000000000000000000" pitchFamily="2" charset="2"/>
-              <a:buChar char="q"/>
+              <a:buFont typeface="Arial" panose="020B0604020202020204" pitchFamily="34" charset="0"/>
+              <a:buChar char="•"/>
             </a:pPr>
             <a:r>
-              <a:rPr lang="en-IN" sz="2200" dirty="0"/>
-              <a:t>Here a sensor is placed on the soil to sense the moisture.</a:t>
-            </a:r>
+              <a:rPr lang="en-IN" b="0" i="0" dirty="0">
+                <a:solidFill>
+                  <a:srgbClr val="333333"/>
+                </a:solidFill>
+                <a:effectLst/>
+                <a:latin typeface="Arial" panose="020B0604020202020204" pitchFamily="34" charset="0"/>
+              </a:rPr>
+              <a:t>M. Mayuree, P. Aishwarya and A. Bagubali, "Automatic Plant Watering System," </a:t>
+            </a:r>
+            <a:r>
+              <a:rPr lang="en-IN" b="0" i="1" dirty="0">
+                <a:solidFill>
+                  <a:srgbClr val="333333"/>
+                </a:solidFill>
+                <a:effectLst/>
+                <a:latin typeface="Arial" panose="020B0604020202020204" pitchFamily="34" charset="0"/>
+              </a:rPr>
+              <a:t>2019 International Conference</a:t>
+            </a:r>
+          </a:p>
+          <a:p>
+            <a:r>
+              <a:rPr lang="en-IN" b="0" i="1" dirty="0">
+                <a:solidFill>
+                  <a:srgbClr val="333333"/>
+                </a:solidFill>
+                <a:effectLst/>
+                <a:latin typeface="Arial" panose="020B0604020202020204" pitchFamily="34" charset="0"/>
+              </a:rPr>
+              <a:t> on Vision Towards Emerging Trends in Communication and Networking (ViTECoN)</a:t>
+            </a:r>
+            <a:r>
+              <a:rPr lang="en-IN" b="0" i="0" dirty="0">
+                <a:solidFill>
+                  <a:srgbClr val="333333"/>
+                </a:solidFill>
+                <a:effectLst/>
+                <a:latin typeface="Arial" panose="020B0604020202020204" pitchFamily="34" charset="0"/>
+              </a:rPr>
+              <a:t>, 2019, pp. 1-3, doi: </a:t>
+            </a:r>
+          </a:p>
+          <a:p>
+            <a:r>
+              <a:rPr lang="en-IN" b="0" i="0" dirty="0">
+                <a:solidFill>
+                  <a:srgbClr val="333333"/>
+                </a:solidFill>
+                <a:effectLst/>
+                <a:latin typeface="Arial" panose="020B0604020202020204" pitchFamily="34" charset="0"/>
+              </a:rPr>
+              <a:t>10.1109/ViTECoN.2019.8899452.</a:t>
+            </a:r>
+          </a:p>
+          <a:p>
+            <a:endParaRPr lang="en-IN" dirty="0">
+              <a:solidFill>
+                <a:srgbClr val="333333"/>
+              </a:solidFill>
+              <a:latin typeface="Arial" panose="020B0604020202020204" pitchFamily="34" charset="0"/>
+            </a:endParaRPr>
+          </a:p>
+          <a:p>
+            <a:endParaRPr lang="en-IN" b="0" i="0" dirty="0">
+              <a:solidFill>
+                <a:srgbClr val="333333"/>
+              </a:solidFill>
+              <a:effectLst/>
+              <a:latin typeface="Arial" panose="020B0604020202020204" pitchFamily="34" charset="0"/>
+            </a:endParaRPr>
           </a:p>
           <a:p>
             <a:pPr marL="285750" indent="-285750">
-              <a:lnSpc>
-                <a:spcPct val="200000"/>
-              </a:lnSpc>
-              <a:buFont typeface="Wingdings" panose="05000000000000000000" pitchFamily="2" charset="2"/>
-              <a:buChar char="q"/>
+              <a:buFont typeface="Arial" panose="020B0604020202020204" pitchFamily="34" charset="0"/>
+              <a:buChar char="•"/>
             </a:pPr>
             <a:r>
-              <a:rPr lang="en-IN" sz="2200" dirty="0"/>
-              <a:t>If the sensed value is lesser than the threshold value, alert is sent to the user.</a:t>
-            </a:r>
+              <a:rPr lang="en-IN" b="0" i="0" dirty="0">
+                <a:solidFill>
+                  <a:srgbClr val="333333"/>
+                </a:solidFill>
+                <a:effectLst/>
+                <a:latin typeface="Arial" panose="020B0604020202020204" pitchFamily="34" charset="0"/>
+              </a:rPr>
+              <a:t>J. Karpagam, I. I. Merlin, P. Bavithra and J. Kousalya, "Smart Irrigation System Using IoT," 2020 6th International </a:t>
+            </a:r>
+          </a:p>
+          <a:p>
+            <a:r>
+              <a:rPr lang="en-IN" b="0" i="0" dirty="0">
+                <a:solidFill>
+                  <a:srgbClr val="333333"/>
+                </a:solidFill>
+                <a:effectLst/>
+                <a:latin typeface="Arial" panose="020B0604020202020204" pitchFamily="34" charset="0"/>
+              </a:rPr>
+              <a:t>Conference on Advanced Computing and Communication Systems (ICACCS), 2020, pp. 1292-1295, doi: </a:t>
+            </a:r>
+          </a:p>
+          <a:p>
+            <a:r>
+              <a:rPr lang="en-IN" b="0" i="0" dirty="0">
+                <a:solidFill>
+                  <a:srgbClr val="333333"/>
+                </a:solidFill>
+                <a:effectLst/>
+                <a:latin typeface="Arial" panose="020B0604020202020204" pitchFamily="34" charset="0"/>
+              </a:rPr>
+              <a:t>10.1109/ICACCS48705.2020.9074201.</a:t>
+            </a:r>
+          </a:p>
+          <a:p>
+            <a:endParaRPr lang="en-IN" dirty="0">
+              <a:solidFill>
+                <a:srgbClr val="333333"/>
+              </a:solidFill>
+              <a:latin typeface="Arial" panose="020B0604020202020204" pitchFamily="34" charset="0"/>
+            </a:endParaRPr>
+          </a:p>
+          <a:p>
+            <a:endParaRPr lang="en-IN" b="0" i="0" dirty="0">
+              <a:solidFill>
+                <a:srgbClr val="333333"/>
+              </a:solidFill>
+              <a:effectLst/>
+              <a:latin typeface="Arial" panose="020B0604020202020204" pitchFamily="34" charset="0"/>
+            </a:endParaRPr>
           </a:p>
           <a:p>
             <a:pPr marL="285750" indent="-285750">
-              <a:lnSpc>
-                <a:spcPct val="200000"/>
-              </a:lnSpc>
-              <a:buFont typeface="Wingdings" panose="05000000000000000000" pitchFamily="2" charset="2"/>
-              <a:buChar char="q"/>
+              <a:buFont typeface="Arial" panose="020B0604020202020204" pitchFamily="34" charset="0"/>
+              <a:buChar char="•"/>
             </a:pPr>
-            <a:r>
-              <a:rPr lang="en-IN" sz="2200" dirty="0"/>
-              <a:t>And there by, User turns ON the motor.</a:t>
-            </a:r>
+            <a:endParaRPr lang="en-IN" b="0" i="0" dirty="0">
+              <a:solidFill>
+                <a:srgbClr val="333333"/>
+              </a:solidFill>
+              <a:effectLst/>
+              <a:latin typeface="Arial" panose="020B0604020202020204" pitchFamily="34" charset="0"/>
+            </a:endParaRPr>
+          </a:p>
+          <a:p>
+            <a:endParaRPr lang="en-IN" dirty="0">
+              <a:solidFill>
+                <a:srgbClr val="333333"/>
+              </a:solidFill>
+              <a:latin typeface="Arial" panose="020B0604020202020204" pitchFamily="34" charset="0"/>
+            </a:endParaRPr>
           </a:p>
           <a:p>
             <a:pPr marL="285750" indent="-285750">
-              <a:lnSpc>
-                <a:spcPct val="200000"/>
-              </a:lnSpc>
-              <a:buFont typeface="Wingdings" panose="05000000000000000000" pitchFamily="2" charset="2"/>
-              <a:buChar char="q"/>
+              <a:buFont typeface="Arial" panose="020B0604020202020204" pitchFamily="34" charset="0"/>
+              <a:buChar char="•"/>
             </a:pPr>
-            <a:r>
-              <a:rPr lang="en-IN" sz="2200" dirty="0"/>
-              <a:t>When the sensed value is greater than the threshold value, motor gets OFF automatically.</a:t>
-            </a:r>
+            <a:endParaRPr lang="en-IN" b="0" i="0" dirty="0">
+              <a:solidFill>
+                <a:srgbClr val="333333"/>
+              </a:solidFill>
+              <a:effectLst/>
+              <a:latin typeface="Arial" panose="020B0604020202020204" pitchFamily="34" charset="0"/>
+            </a:endParaRPr>
+          </a:p>
+          <a:p>
+            <a:endParaRPr lang="en-IN" dirty="0">
+              <a:solidFill>
+                <a:srgbClr val="333333"/>
+              </a:solidFill>
+              <a:latin typeface="Arial" panose="020B0604020202020204" pitchFamily="34" charset="0"/>
+            </a:endParaRPr>
+          </a:p>
+          <a:p>
+            <a:endParaRPr lang="en-IN" b="0" i="0" dirty="0">
+              <a:solidFill>
+                <a:srgbClr val="333333"/>
+              </a:solidFill>
+              <a:effectLst/>
+              <a:latin typeface="Arial" panose="020B0604020202020204" pitchFamily="34" charset="0"/>
+            </a:endParaRPr>
+          </a:p>
+          <a:p>
+            <a:endParaRPr lang="en-IN" b="0" i="0" dirty="0">
+              <a:solidFill>
+                <a:srgbClr val="333333"/>
+              </a:solidFill>
+              <a:effectLst/>
+              <a:latin typeface="Arial" panose="020B0604020202020204" pitchFamily="34" charset="0"/>
+            </a:endParaRPr>
+          </a:p>
+          <a:p>
+            <a:endParaRPr lang="en-IN" dirty="0">
+              <a:solidFill>
+                <a:srgbClr val="333333"/>
+              </a:solidFill>
+              <a:latin typeface="Arial" panose="020B0604020202020204" pitchFamily="34" charset="0"/>
+            </a:endParaRPr>
+          </a:p>
+          <a:p>
+            <a:pPr marL="285750" indent="-285750">
+              <a:buFont typeface="Arial" panose="020B0604020202020204" pitchFamily="34" charset="0"/>
+              <a:buChar char="•"/>
+            </a:pPr>
+            <a:endParaRPr lang="en-IN" dirty="0"/>
           </a:p>
         </p:txBody>
       </p:sp>
     </p:spTree>
     <p:extLst>
       <p:ext uri="{BB962C8B-B14F-4D97-AF65-F5344CB8AC3E}">
-        <p14:creationId xmlns:p14="http://schemas.microsoft.com/office/powerpoint/2010/main" val="650278563"/>
+        <p14:creationId xmlns:p14="http://schemas.microsoft.com/office/powerpoint/2010/main" val="3362968249"/>
       </p:ext>
     </p:extLst>
   </p:cSld>
@@ -10735,7 +10955,7 @@
           <p:cNvPr id="2" name="Title 1">
             <a:extLst>
               <a:ext uri="{FF2B5EF4-FFF2-40B4-BE49-F238E27FC236}">
-                <a16:creationId xmlns:a16="http://schemas.microsoft.com/office/drawing/2014/main" id="{FDA7958B-C004-1C16-F1D9-8600712F9F8B}"/>
+                <a16:creationId xmlns:a16="http://schemas.microsoft.com/office/drawing/2014/main" id="{0EFBD2A8-C3CC-B921-079D-3C49DEDC4EE5}"/>
               </a:ext>
             </a:extLst>
           </p:cNvPr>
@@ -10760,7 +10980,7 @@
           <p:cNvPr id="3" name="Content Placeholder 2">
             <a:extLst>
               <a:ext uri="{FF2B5EF4-FFF2-40B4-BE49-F238E27FC236}">
-                <a16:creationId xmlns:a16="http://schemas.microsoft.com/office/drawing/2014/main" id="{BC11ED17-536D-47AA-4AC0-0BCE6E9D8F8D}"/>
+                <a16:creationId xmlns:a16="http://schemas.microsoft.com/office/drawing/2014/main" id="{F00AC31D-4F6E-DEE4-2E27-A2E74513675F}"/>
               </a:ext>
             </a:extLst>
           </p:cNvPr>
@@ -10785,7 +11005,7 @@
           <p:cNvPr id="4" name="Footer Placeholder 3">
             <a:extLst>
               <a:ext uri="{FF2B5EF4-FFF2-40B4-BE49-F238E27FC236}">
-                <a16:creationId xmlns:a16="http://schemas.microsoft.com/office/drawing/2014/main" id="{AC05752C-181A-36B9-38FC-7F80E4A53444}"/>
+                <a16:creationId xmlns:a16="http://schemas.microsoft.com/office/drawing/2014/main" id="{D4B948A7-163E-ECF9-EEE0-DD7148E6E469}"/>
               </a:ext>
             </a:extLst>
           </p:cNvPr>
@@ -10803,7 +11023,7 @@
           <a:p>
             <a:r>
               <a:rPr lang="en-US"/>
-              <a:t>College of Engineering Trivandrum, MCA Department</a:t>
+              <a:t>Department of Computer Applications,CET Trivandrum</a:t>
             </a:r>
             <a:endParaRPr lang="en-IN"/>
           </a:p>
@@ -10814,7 +11034,7 @@
           <p:cNvPr id="5" name="Slide Number Placeholder 4">
             <a:extLst>
               <a:ext uri="{FF2B5EF4-FFF2-40B4-BE49-F238E27FC236}">
-                <a16:creationId xmlns:a16="http://schemas.microsoft.com/office/drawing/2014/main" id="{7CEB9D1E-F311-6D98-F920-B1C01B4D9ACB}"/>
+                <a16:creationId xmlns:a16="http://schemas.microsoft.com/office/drawing/2014/main" id="{62D45CD4-64B2-7136-73C6-D20ED91DD7B0}"/>
               </a:ext>
             </a:extLst>
           </p:cNvPr>
@@ -10843,7 +11063,7 @@
           <p:cNvPr id="6" name="Footer Placeholder 3">
             <a:extLst>
               <a:ext uri="{FF2B5EF4-FFF2-40B4-BE49-F238E27FC236}">
-                <a16:creationId xmlns:a16="http://schemas.microsoft.com/office/drawing/2014/main" id="{2DFB1138-4DAB-3F20-36C8-0020CDE95BF9}"/>
+                <a16:creationId xmlns:a16="http://schemas.microsoft.com/office/drawing/2014/main" id="{029A24F6-F1FE-A849-4C52-4B2580B7CFFF}"/>
               </a:ext>
             </a:extLst>
           </p:cNvPr>
@@ -10974,7 +11194,7 @@
           <p:cNvPr id="7" name="Slide Number Placeholder 4">
             <a:extLst>
               <a:ext uri="{FF2B5EF4-FFF2-40B4-BE49-F238E27FC236}">
-                <a16:creationId xmlns:a16="http://schemas.microsoft.com/office/drawing/2014/main" id="{FA93731E-016F-2856-4026-980831C07EB5}"/>
+                <a16:creationId xmlns:a16="http://schemas.microsoft.com/office/drawing/2014/main" id="{15D97507-ACA7-4106-B4E3-D5A7EF963AE0}"/>
               </a:ext>
             </a:extLst>
           </p:cNvPr>
@@ -11106,7 +11326,7 @@
           <p:cNvPr id="8" name="Content Placeholder 7">
             <a:extLst>
               <a:ext uri="{FF2B5EF4-FFF2-40B4-BE49-F238E27FC236}">
-                <a16:creationId xmlns:a16="http://schemas.microsoft.com/office/drawing/2014/main" id="{13D64D7B-C9AA-C710-7420-18515F3A3B6B}"/>
+                <a16:creationId xmlns:a16="http://schemas.microsoft.com/office/drawing/2014/main" id="{3E711D97-5545-B737-FFFA-43021836DF34}"/>
               </a:ext>
             </a:extLst>
           </p:cNvPr>
@@ -11142,7 +11362,7 @@
           <p:cNvPr id="9" name="Picture 2" descr="White Backgrounds, Free White Powerpoint Background - SlideBackground">
             <a:extLst>
               <a:ext uri="{FF2B5EF4-FFF2-40B4-BE49-F238E27FC236}">
-                <a16:creationId xmlns:a16="http://schemas.microsoft.com/office/drawing/2014/main" id="{68F63039-E069-B040-7C50-04D86D0603B1}"/>
+                <a16:creationId xmlns:a16="http://schemas.microsoft.com/office/drawing/2014/main" id="{16974AC9-8998-8D3D-50A2-F5F2AA3989CC}"/>
               </a:ext>
             </a:extLst>
           </p:cNvPr>
@@ -11189,7 +11409,7 @@
           <p:cNvPr id="10" name="Footer Placeholder 4">
             <a:extLst>
               <a:ext uri="{FF2B5EF4-FFF2-40B4-BE49-F238E27FC236}">
-                <a16:creationId xmlns:a16="http://schemas.microsoft.com/office/drawing/2014/main" id="{8B2B853A-3B05-C584-DAD5-2D099EAD4C93}"/>
+                <a16:creationId xmlns:a16="http://schemas.microsoft.com/office/drawing/2014/main" id="{4A246730-9390-8C93-3A5D-34BD2ABD366C}"/>
               </a:ext>
             </a:extLst>
           </p:cNvPr>
@@ -11320,7 +11540,7 @@
           <p:cNvPr id="11" name="Slide Number Placeholder 5">
             <a:extLst>
               <a:ext uri="{FF2B5EF4-FFF2-40B4-BE49-F238E27FC236}">
-                <a16:creationId xmlns:a16="http://schemas.microsoft.com/office/drawing/2014/main" id="{84E5A77C-E1E0-B794-5C5F-F67E4230E400}"/>
+                <a16:creationId xmlns:a16="http://schemas.microsoft.com/office/drawing/2014/main" id="{ADADB587-8FDC-2574-62CF-709CF01A7FF8}"/>
               </a:ext>
             </a:extLst>
           </p:cNvPr>
@@ -11442,1132 +11662,6 @@
               <a:rPr lang="en-IN" smtClean="0"/>
               <a:pPr/>
               <a:t>17</a:t>
-            </a:fld>
-            <a:endParaRPr lang="en-IN"/>
-          </a:p>
-        </p:txBody>
-      </p:sp>
-      <p:sp>
-        <p:nvSpPr>
-          <p:cNvPr id="12" name="Rectangle 11">
-            <a:extLst>
-              <a:ext uri="{FF2B5EF4-FFF2-40B4-BE49-F238E27FC236}">
-                <a16:creationId xmlns:a16="http://schemas.microsoft.com/office/drawing/2014/main" id="{E1BEEC38-1059-706E-F95A-7035E9C1D0B1}"/>
-              </a:ext>
-            </a:extLst>
-          </p:cNvPr>
-          <p:cNvSpPr/>
-          <p:nvPr/>
-        </p:nvSpPr>
-        <p:spPr>
-          <a:xfrm>
-            <a:off x="0" y="-24840"/>
-            <a:ext cx="6010836" cy="885452"/>
-          </a:xfrm>
-          <a:prstGeom prst="rect">
-            <a:avLst/>
-          </a:prstGeom>
-          <a:solidFill>
-            <a:schemeClr val="accent3">
-              <a:lumMod val="20000"/>
-              <a:lumOff val="80000"/>
-            </a:schemeClr>
-          </a:solidFill>
-          <a:ln>
-            <a:solidFill>
-              <a:schemeClr val="bg2"/>
-            </a:solidFill>
-          </a:ln>
-        </p:spPr>
-        <p:style>
-          <a:lnRef idx="2">
-            <a:schemeClr val="accent1">
-              <a:shade val="50000"/>
-            </a:schemeClr>
-          </a:lnRef>
-          <a:fillRef idx="1">
-            <a:schemeClr val="accent1"/>
-          </a:fillRef>
-          <a:effectRef idx="0">
-            <a:schemeClr val="accent1"/>
-          </a:effectRef>
-          <a:fontRef idx="minor">
-            <a:schemeClr val="lt1"/>
-          </a:fontRef>
-        </p:style>
-        <p:txBody>
-          <a:bodyPr rtlCol="0" anchor="ctr"/>
-          <a:lstStyle/>
-          <a:p>
-            <a:pPr algn="ctr"/>
-            <a:r>
-              <a:rPr lang="en-IN" sz="4400" dirty="0">
-                <a:solidFill>
-                  <a:schemeClr val="tx1"/>
-                </a:solidFill>
-              </a:rPr>
-              <a:t>REFERENCES</a:t>
-            </a:r>
-          </a:p>
-        </p:txBody>
-      </p:sp>
-      <p:sp>
-        <p:nvSpPr>
-          <p:cNvPr id="13" name="TextBox 12">
-            <a:extLst>
-              <a:ext uri="{FF2B5EF4-FFF2-40B4-BE49-F238E27FC236}">
-                <a16:creationId xmlns:a16="http://schemas.microsoft.com/office/drawing/2014/main" id="{3432B084-9ECD-B92E-FE92-1419C5446706}"/>
-              </a:ext>
-            </a:extLst>
-          </p:cNvPr>
-          <p:cNvSpPr txBox="1"/>
-          <p:nvPr/>
-        </p:nvSpPr>
-        <p:spPr>
-          <a:xfrm>
-            <a:off x="364081" y="1795089"/>
-            <a:ext cx="12007582" cy="6463308"/>
-          </a:xfrm>
-          <a:prstGeom prst="rect">
-            <a:avLst/>
-          </a:prstGeom>
-          <a:noFill/>
-        </p:spPr>
-        <p:txBody>
-          <a:bodyPr wrap="none" rtlCol="0">
-            <a:spAutoFit/>
-          </a:bodyPr>
-          <a:lstStyle/>
-          <a:p>
-            <a:pPr marL="285750" indent="-285750">
-              <a:buFont typeface="Arial" panose="020B0604020202020204" pitchFamily="34" charset="0"/>
-              <a:buChar char="•"/>
-            </a:pPr>
-            <a:r>
-              <a:rPr lang="en-IN" b="0" i="0" dirty="0">
-                <a:solidFill>
-                  <a:srgbClr val="333333"/>
-                </a:solidFill>
-                <a:effectLst/>
-                <a:latin typeface="Arial" panose="020B0604020202020204" pitchFamily="34" charset="0"/>
-              </a:rPr>
-              <a:t>M. Rohith, R. Sainivedhana and N. Sabiyath Fatima, "IoT Enabled Smart Farming and Irrigation System," </a:t>
-            </a:r>
-            <a:r>
-              <a:rPr lang="en-IN" b="0" i="1" dirty="0">
-                <a:solidFill>
-                  <a:srgbClr val="333333"/>
-                </a:solidFill>
-                <a:effectLst/>
-                <a:latin typeface="Arial" panose="020B0604020202020204" pitchFamily="34" charset="0"/>
-              </a:rPr>
-              <a:t>2021 </a:t>
-            </a:r>
-          </a:p>
-          <a:p>
-            <a:r>
-              <a:rPr lang="en-IN" b="0" i="1" dirty="0">
-                <a:solidFill>
-                  <a:srgbClr val="333333"/>
-                </a:solidFill>
-                <a:effectLst/>
-                <a:latin typeface="Arial" panose="020B0604020202020204" pitchFamily="34" charset="0"/>
-              </a:rPr>
-              <a:t>5th International Conference on Intelligent Computing and Control Systems (ICICCS)</a:t>
-            </a:r>
-            <a:r>
-              <a:rPr lang="en-IN" b="0" i="0" dirty="0">
-                <a:solidFill>
-                  <a:srgbClr val="333333"/>
-                </a:solidFill>
-                <a:effectLst/>
-                <a:latin typeface="Arial" panose="020B0604020202020204" pitchFamily="34" charset="0"/>
-              </a:rPr>
-              <a:t>, 2021, pp. 434-439, doi: </a:t>
-            </a:r>
-          </a:p>
-          <a:p>
-            <a:r>
-              <a:rPr lang="en-IN" b="0" i="0" dirty="0">
-                <a:solidFill>
-                  <a:srgbClr val="333333"/>
-                </a:solidFill>
-                <a:effectLst/>
-                <a:latin typeface="Arial" panose="020B0604020202020204" pitchFamily="34" charset="0"/>
-              </a:rPr>
-              <a:t>10.1109/ICICCS51141.2021.9432085.</a:t>
-            </a:r>
-          </a:p>
-          <a:p>
-            <a:endParaRPr lang="en-IN" b="0" i="0" dirty="0">
-              <a:solidFill>
-                <a:srgbClr val="333333"/>
-              </a:solidFill>
-              <a:effectLst/>
-              <a:latin typeface="Arial" panose="020B0604020202020204" pitchFamily="34" charset="0"/>
-            </a:endParaRPr>
-          </a:p>
-          <a:p>
-            <a:endParaRPr lang="en-IN" dirty="0">
-              <a:solidFill>
-                <a:srgbClr val="333333"/>
-              </a:solidFill>
-              <a:latin typeface="Arial" panose="020B0604020202020204" pitchFamily="34" charset="0"/>
-            </a:endParaRPr>
-          </a:p>
-          <a:p>
-            <a:pPr marL="285750" indent="-285750">
-              <a:buFont typeface="Arial" panose="020B0604020202020204" pitchFamily="34" charset="0"/>
-              <a:buChar char="•"/>
-            </a:pPr>
-            <a:r>
-              <a:rPr lang="en-IN" b="0" i="0" dirty="0">
-                <a:solidFill>
-                  <a:srgbClr val="333333"/>
-                </a:solidFill>
-                <a:effectLst/>
-                <a:latin typeface="Arial" panose="020B0604020202020204" pitchFamily="34" charset="0"/>
-              </a:rPr>
-              <a:t>M. Mayuree, P. Aishwarya and A. Bagubali, "Automatic Plant Watering System," </a:t>
-            </a:r>
-            <a:r>
-              <a:rPr lang="en-IN" b="0" i="1" dirty="0">
-                <a:solidFill>
-                  <a:srgbClr val="333333"/>
-                </a:solidFill>
-                <a:effectLst/>
-                <a:latin typeface="Arial" panose="020B0604020202020204" pitchFamily="34" charset="0"/>
-              </a:rPr>
-              <a:t>2019 International Conference</a:t>
-            </a:r>
-          </a:p>
-          <a:p>
-            <a:r>
-              <a:rPr lang="en-IN" b="0" i="1" dirty="0">
-                <a:solidFill>
-                  <a:srgbClr val="333333"/>
-                </a:solidFill>
-                <a:effectLst/>
-                <a:latin typeface="Arial" panose="020B0604020202020204" pitchFamily="34" charset="0"/>
-              </a:rPr>
-              <a:t> on Vision Towards Emerging Trends in Communication and Networking (ViTECoN)</a:t>
-            </a:r>
-            <a:r>
-              <a:rPr lang="en-IN" b="0" i="0" dirty="0">
-                <a:solidFill>
-                  <a:srgbClr val="333333"/>
-                </a:solidFill>
-                <a:effectLst/>
-                <a:latin typeface="Arial" panose="020B0604020202020204" pitchFamily="34" charset="0"/>
-              </a:rPr>
-              <a:t>, 2019, pp. 1-3, doi: </a:t>
-            </a:r>
-          </a:p>
-          <a:p>
-            <a:r>
-              <a:rPr lang="en-IN" b="0" i="0" dirty="0">
-                <a:solidFill>
-                  <a:srgbClr val="333333"/>
-                </a:solidFill>
-                <a:effectLst/>
-                <a:latin typeface="Arial" panose="020B0604020202020204" pitchFamily="34" charset="0"/>
-              </a:rPr>
-              <a:t>10.1109/ViTECoN.2019.8899452.</a:t>
-            </a:r>
-          </a:p>
-          <a:p>
-            <a:endParaRPr lang="en-IN" dirty="0">
-              <a:solidFill>
-                <a:srgbClr val="333333"/>
-              </a:solidFill>
-              <a:latin typeface="Arial" panose="020B0604020202020204" pitchFamily="34" charset="0"/>
-            </a:endParaRPr>
-          </a:p>
-          <a:p>
-            <a:endParaRPr lang="en-IN" b="0" i="0" dirty="0">
-              <a:solidFill>
-                <a:srgbClr val="333333"/>
-              </a:solidFill>
-              <a:effectLst/>
-              <a:latin typeface="Arial" panose="020B0604020202020204" pitchFamily="34" charset="0"/>
-            </a:endParaRPr>
-          </a:p>
-          <a:p>
-            <a:pPr marL="285750" indent="-285750">
-              <a:buFont typeface="Arial" panose="020B0604020202020204" pitchFamily="34" charset="0"/>
-              <a:buChar char="•"/>
-            </a:pPr>
-            <a:r>
-              <a:rPr lang="en-IN" b="0" i="0" dirty="0">
-                <a:solidFill>
-                  <a:srgbClr val="333333"/>
-                </a:solidFill>
-                <a:effectLst/>
-                <a:latin typeface="Arial" panose="020B0604020202020204" pitchFamily="34" charset="0"/>
-              </a:rPr>
-              <a:t>J. Karpagam, I. I. Merlin, P. Bavithra and J. Kousalya, "Smart Irrigation System Using IoT," 2020 6th International </a:t>
-            </a:r>
-          </a:p>
-          <a:p>
-            <a:r>
-              <a:rPr lang="en-IN" b="0" i="0" dirty="0">
-                <a:solidFill>
-                  <a:srgbClr val="333333"/>
-                </a:solidFill>
-                <a:effectLst/>
-                <a:latin typeface="Arial" panose="020B0604020202020204" pitchFamily="34" charset="0"/>
-              </a:rPr>
-              <a:t>Conference on Advanced Computing and Communication Systems (ICACCS), 2020, pp. 1292-1295, doi: </a:t>
-            </a:r>
-          </a:p>
-          <a:p>
-            <a:r>
-              <a:rPr lang="en-IN" b="0" i="0" dirty="0">
-                <a:solidFill>
-                  <a:srgbClr val="333333"/>
-                </a:solidFill>
-                <a:effectLst/>
-                <a:latin typeface="Arial" panose="020B0604020202020204" pitchFamily="34" charset="0"/>
-              </a:rPr>
-              <a:t>10.1109/ICACCS48705.2020.9074201.</a:t>
-            </a:r>
-          </a:p>
-          <a:p>
-            <a:endParaRPr lang="en-IN" dirty="0">
-              <a:solidFill>
-                <a:srgbClr val="333333"/>
-              </a:solidFill>
-              <a:latin typeface="Arial" panose="020B0604020202020204" pitchFamily="34" charset="0"/>
-            </a:endParaRPr>
-          </a:p>
-          <a:p>
-            <a:endParaRPr lang="en-IN" b="0" i="0" dirty="0">
-              <a:solidFill>
-                <a:srgbClr val="333333"/>
-              </a:solidFill>
-              <a:effectLst/>
-              <a:latin typeface="Arial" panose="020B0604020202020204" pitchFamily="34" charset="0"/>
-            </a:endParaRPr>
-          </a:p>
-          <a:p>
-            <a:pPr marL="285750" indent="-285750">
-              <a:buFont typeface="Arial" panose="020B0604020202020204" pitchFamily="34" charset="0"/>
-              <a:buChar char="•"/>
-            </a:pPr>
-            <a:endParaRPr lang="en-IN" b="0" i="0" dirty="0">
-              <a:solidFill>
-                <a:srgbClr val="333333"/>
-              </a:solidFill>
-              <a:effectLst/>
-              <a:latin typeface="Arial" panose="020B0604020202020204" pitchFamily="34" charset="0"/>
-            </a:endParaRPr>
-          </a:p>
-          <a:p>
-            <a:endParaRPr lang="en-IN" dirty="0">
-              <a:solidFill>
-                <a:srgbClr val="333333"/>
-              </a:solidFill>
-              <a:latin typeface="Arial" panose="020B0604020202020204" pitchFamily="34" charset="0"/>
-            </a:endParaRPr>
-          </a:p>
-          <a:p>
-            <a:pPr marL="285750" indent="-285750">
-              <a:buFont typeface="Arial" panose="020B0604020202020204" pitchFamily="34" charset="0"/>
-              <a:buChar char="•"/>
-            </a:pPr>
-            <a:endParaRPr lang="en-IN" b="0" i="0" dirty="0">
-              <a:solidFill>
-                <a:srgbClr val="333333"/>
-              </a:solidFill>
-              <a:effectLst/>
-              <a:latin typeface="Arial" panose="020B0604020202020204" pitchFamily="34" charset="0"/>
-            </a:endParaRPr>
-          </a:p>
-          <a:p>
-            <a:endParaRPr lang="en-IN" dirty="0">
-              <a:solidFill>
-                <a:srgbClr val="333333"/>
-              </a:solidFill>
-              <a:latin typeface="Arial" panose="020B0604020202020204" pitchFamily="34" charset="0"/>
-            </a:endParaRPr>
-          </a:p>
-          <a:p>
-            <a:endParaRPr lang="en-IN" b="0" i="0" dirty="0">
-              <a:solidFill>
-                <a:srgbClr val="333333"/>
-              </a:solidFill>
-              <a:effectLst/>
-              <a:latin typeface="Arial" panose="020B0604020202020204" pitchFamily="34" charset="0"/>
-            </a:endParaRPr>
-          </a:p>
-          <a:p>
-            <a:endParaRPr lang="en-IN" b="0" i="0" dirty="0">
-              <a:solidFill>
-                <a:srgbClr val="333333"/>
-              </a:solidFill>
-              <a:effectLst/>
-              <a:latin typeface="Arial" panose="020B0604020202020204" pitchFamily="34" charset="0"/>
-            </a:endParaRPr>
-          </a:p>
-          <a:p>
-            <a:endParaRPr lang="en-IN" dirty="0">
-              <a:solidFill>
-                <a:srgbClr val="333333"/>
-              </a:solidFill>
-              <a:latin typeface="Arial" panose="020B0604020202020204" pitchFamily="34" charset="0"/>
-            </a:endParaRPr>
-          </a:p>
-          <a:p>
-            <a:pPr marL="285750" indent="-285750">
-              <a:buFont typeface="Arial" panose="020B0604020202020204" pitchFamily="34" charset="0"/>
-              <a:buChar char="•"/>
-            </a:pPr>
-            <a:endParaRPr lang="en-IN" dirty="0"/>
-          </a:p>
-        </p:txBody>
-      </p:sp>
-    </p:spTree>
-    <p:extLst>
-      <p:ext uri="{BB962C8B-B14F-4D97-AF65-F5344CB8AC3E}">
-        <p14:creationId xmlns:p14="http://schemas.microsoft.com/office/powerpoint/2010/main" val="3362968249"/>
-      </p:ext>
-    </p:extLst>
-  </p:cSld>
-  <p:clrMapOvr>
-    <a:masterClrMapping/>
-  </p:clrMapOvr>
-</p:sld>
-</file>
-
-<file path=ppt/slides/slide18.xml><?xml version="1.0" encoding="utf-8"?>
-<p:sld xmlns:a="http://schemas.openxmlformats.org/drawingml/2006/main" xmlns:r="http://schemas.openxmlformats.org/officeDocument/2006/relationships" xmlns:p="http://schemas.openxmlformats.org/presentationml/2006/main">
-  <p:cSld>
-    <p:spTree>
-      <p:nvGrpSpPr>
-        <p:cNvPr id="1" name=""/>
-        <p:cNvGrpSpPr/>
-        <p:nvPr/>
-      </p:nvGrpSpPr>
-      <p:grpSpPr>
-        <a:xfrm>
-          <a:off x="0" y="0"/>
-          <a:ext cx="0" cy="0"/>
-          <a:chOff x="0" y="0"/>
-          <a:chExt cx="0" cy="0"/>
-        </a:xfrm>
-      </p:grpSpPr>
-      <p:sp>
-        <p:nvSpPr>
-          <p:cNvPr id="2" name="Title 1">
-            <a:extLst>
-              <a:ext uri="{FF2B5EF4-FFF2-40B4-BE49-F238E27FC236}">
-                <a16:creationId xmlns:a16="http://schemas.microsoft.com/office/drawing/2014/main" id="{0EFBD2A8-C3CC-B921-079D-3C49DEDC4EE5}"/>
-              </a:ext>
-            </a:extLst>
-          </p:cNvPr>
-          <p:cNvSpPr>
-            <a:spLocks noGrp="1"/>
-          </p:cNvSpPr>
-          <p:nvPr>
-            <p:ph type="title"/>
-          </p:nvPr>
-        </p:nvSpPr>
-        <p:spPr/>
-        <p:txBody>
-          <a:bodyPr/>
-          <a:lstStyle/>
-          <a:p>
-            <a:endParaRPr lang="en-IN"/>
-          </a:p>
-        </p:txBody>
-      </p:sp>
-      <p:sp>
-        <p:nvSpPr>
-          <p:cNvPr id="3" name="Content Placeholder 2">
-            <a:extLst>
-              <a:ext uri="{FF2B5EF4-FFF2-40B4-BE49-F238E27FC236}">
-                <a16:creationId xmlns:a16="http://schemas.microsoft.com/office/drawing/2014/main" id="{F00AC31D-4F6E-DEE4-2E27-A2E74513675F}"/>
-              </a:ext>
-            </a:extLst>
-          </p:cNvPr>
-          <p:cNvSpPr>
-            <a:spLocks noGrp="1"/>
-          </p:cNvSpPr>
-          <p:nvPr>
-            <p:ph idx="1"/>
-          </p:nvPr>
-        </p:nvSpPr>
-        <p:spPr/>
-        <p:txBody>
-          <a:bodyPr/>
-          <a:lstStyle/>
-          <a:p>
-            <a:endParaRPr lang="en-IN"/>
-          </a:p>
-        </p:txBody>
-      </p:sp>
-      <p:sp>
-        <p:nvSpPr>
-          <p:cNvPr id="4" name="Footer Placeholder 3">
-            <a:extLst>
-              <a:ext uri="{FF2B5EF4-FFF2-40B4-BE49-F238E27FC236}">
-                <a16:creationId xmlns:a16="http://schemas.microsoft.com/office/drawing/2014/main" id="{D4B948A7-163E-ECF9-EEE0-DD7148E6E469}"/>
-              </a:ext>
-            </a:extLst>
-          </p:cNvPr>
-          <p:cNvSpPr>
-            <a:spLocks noGrp="1"/>
-          </p:cNvSpPr>
-          <p:nvPr>
-            <p:ph type="ftr" sz="quarter" idx="11"/>
-          </p:nvPr>
-        </p:nvSpPr>
-        <p:spPr/>
-        <p:txBody>
-          <a:bodyPr/>
-          <a:lstStyle/>
-          <a:p>
-            <a:r>
-              <a:rPr lang="en-US"/>
-              <a:t>College of Engineering Trivandrum, MCA Department</a:t>
-            </a:r>
-            <a:endParaRPr lang="en-IN"/>
-          </a:p>
-        </p:txBody>
-      </p:sp>
-      <p:sp>
-        <p:nvSpPr>
-          <p:cNvPr id="5" name="Slide Number Placeholder 4">
-            <a:extLst>
-              <a:ext uri="{FF2B5EF4-FFF2-40B4-BE49-F238E27FC236}">
-                <a16:creationId xmlns:a16="http://schemas.microsoft.com/office/drawing/2014/main" id="{62D45CD4-64B2-7136-73C6-D20ED91DD7B0}"/>
-              </a:ext>
-            </a:extLst>
-          </p:cNvPr>
-          <p:cNvSpPr>
-            <a:spLocks noGrp="1"/>
-          </p:cNvSpPr>
-          <p:nvPr>
-            <p:ph type="sldNum" sz="quarter" idx="12"/>
-          </p:nvPr>
-        </p:nvSpPr>
-        <p:spPr/>
-        <p:txBody>
-          <a:bodyPr/>
-          <a:lstStyle/>
-          <a:p>
-            <a:fld id="{047C9011-1666-4CCF-A529-278AFF4FB865}" type="slidenum">
-              <a:rPr lang="en-IN" smtClean="0"/>
-              <a:t>18</a:t>
-            </a:fld>
-            <a:endParaRPr lang="en-IN"/>
-          </a:p>
-        </p:txBody>
-      </p:sp>
-      <p:sp>
-        <p:nvSpPr>
-          <p:cNvPr id="6" name="Footer Placeholder 3">
-            <a:extLst>
-              <a:ext uri="{FF2B5EF4-FFF2-40B4-BE49-F238E27FC236}">
-                <a16:creationId xmlns:a16="http://schemas.microsoft.com/office/drawing/2014/main" id="{029A24F6-F1FE-A849-4C52-4B2580B7CFFF}"/>
-              </a:ext>
-            </a:extLst>
-          </p:cNvPr>
-          <p:cNvSpPr txBox="1">
-            <a:spLocks/>
-          </p:cNvSpPr>
-          <p:nvPr/>
-        </p:nvSpPr>
-        <p:spPr>
-          <a:xfrm>
-            <a:off x="4038600" y="6356350"/>
-            <a:ext cx="4114800" cy="365125"/>
-          </a:xfrm>
-          <a:prstGeom prst="rect">
-            <a:avLst/>
-          </a:prstGeom>
-        </p:spPr>
-        <p:txBody>
-          <a:bodyPr vert="horz" lIns="91440" tIns="45720" rIns="91440" bIns="45720" rtlCol="0" anchor="ctr"/>
-          <a:lstStyle>
-            <a:defPPr>
-              <a:defRPr lang="en-US"/>
-            </a:defPPr>
-            <a:lvl1pPr marL="0" algn="ctr" defTabSz="914400" rtl="0" eaLnBrk="1" latinLnBrk="0" hangingPunct="1">
-              <a:defRPr sz="1200" kern="1200">
-                <a:solidFill>
-                  <a:schemeClr val="tx1">
-                    <a:tint val="75000"/>
-                  </a:schemeClr>
-                </a:solidFill>
-                <a:latin typeface="+mn-lt"/>
-                <a:ea typeface="+mn-ea"/>
-                <a:cs typeface="+mn-cs"/>
-              </a:defRPr>
-            </a:lvl1pPr>
-            <a:lvl2pPr marL="457200" algn="l" defTabSz="914400" rtl="0" eaLnBrk="1" latinLnBrk="0" hangingPunct="1">
-              <a:defRPr sz="1800" kern="1200">
-                <a:solidFill>
-                  <a:schemeClr val="tx1"/>
-                </a:solidFill>
-                <a:latin typeface="+mn-lt"/>
-                <a:ea typeface="+mn-ea"/>
-                <a:cs typeface="+mn-cs"/>
-              </a:defRPr>
-            </a:lvl2pPr>
-            <a:lvl3pPr marL="914400" algn="l" defTabSz="914400" rtl="0" eaLnBrk="1" latinLnBrk="0" hangingPunct="1">
-              <a:defRPr sz="1800" kern="1200">
-                <a:solidFill>
-                  <a:schemeClr val="tx1"/>
-                </a:solidFill>
-                <a:latin typeface="+mn-lt"/>
-                <a:ea typeface="+mn-ea"/>
-                <a:cs typeface="+mn-cs"/>
-              </a:defRPr>
-            </a:lvl3pPr>
-            <a:lvl4pPr marL="1371600" algn="l" defTabSz="914400" rtl="0" eaLnBrk="1" latinLnBrk="0" hangingPunct="1">
-              <a:defRPr sz="1800" kern="1200">
-                <a:solidFill>
-                  <a:schemeClr val="tx1"/>
-                </a:solidFill>
-                <a:latin typeface="+mn-lt"/>
-                <a:ea typeface="+mn-ea"/>
-                <a:cs typeface="+mn-cs"/>
-              </a:defRPr>
-            </a:lvl4pPr>
-            <a:lvl5pPr marL="1828800" algn="l" defTabSz="914400" rtl="0" eaLnBrk="1" latinLnBrk="0" hangingPunct="1">
-              <a:defRPr sz="1800" kern="1200">
-                <a:solidFill>
-                  <a:schemeClr val="tx1"/>
-                </a:solidFill>
-                <a:latin typeface="+mn-lt"/>
-                <a:ea typeface="+mn-ea"/>
-                <a:cs typeface="+mn-cs"/>
-              </a:defRPr>
-            </a:lvl5pPr>
-            <a:lvl6pPr marL="2286000" algn="l" defTabSz="914400" rtl="0" eaLnBrk="1" latinLnBrk="0" hangingPunct="1">
-              <a:defRPr sz="1800" kern="1200">
-                <a:solidFill>
-                  <a:schemeClr val="tx1"/>
-                </a:solidFill>
-                <a:latin typeface="+mn-lt"/>
-                <a:ea typeface="+mn-ea"/>
-                <a:cs typeface="+mn-cs"/>
-              </a:defRPr>
-            </a:lvl6pPr>
-            <a:lvl7pPr marL="2743200" algn="l" defTabSz="914400" rtl="0" eaLnBrk="1" latinLnBrk="0" hangingPunct="1">
-              <a:defRPr sz="1800" kern="1200">
-                <a:solidFill>
-                  <a:schemeClr val="tx1"/>
-                </a:solidFill>
-                <a:latin typeface="+mn-lt"/>
-                <a:ea typeface="+mn-ea"/>
-                <a:cs typeface="+mn-cs"/>
-              </a:defRPr>
-            </a:lvl7pPr>
-            <a:lvl8pPr marL="3200400" algn="l" defTabSz="914400" rtl="0" eaLnBrk="1" latinLnBrk="0" hangingPunct="1">
-              <a:defRPr sz="1800" kern="1200">
-                <a:solidFill>
-                  <a:schemeClr val="tx1"/>
-                </a:solidFill>
-                <a:latin typeface="+mn-lt"/>
-                <a:ea typeface="+mn-ea"/>
-                <a:cs typeface="+mn-cs"/>
-              </a:defRPr>
-            </a:lvl8pPr>
-            <a:lvl9pPr marL="3657600" algn="l" defTabSz="914400" rtl="0" eaLnBrk="1" latinLnBrk="0" hangingPunct="1">
-              <a:defRPr sz="1800" kern="1200">
-                <a:solidFill>
-                  <a:schemeClr val="tx1"/>
-                </a:solidFill>
-                <a:latin typeface="+mn-lt"/>
-                <a:ea typeface="+mn-ea"/>
-                <a:cs typeface="+mn-cs"/>
-              </a:defRPr>
-            </a:lvl9pPr>
-          </a:lstStyle>
-          <a:p>
-            <a:r>
-              <a:rPr lang="en-US"/>
-              <a:t>College of Engineering Trivandrum, MCA Department</a:t>
-            </a:r>
-            <a:endParaRPr lang="en-IN"/>
-          </a:p>
-        </p:txBody>
-      </p:sp>
-      <p:sp>
-        <p:nvSpPr>
-          <p:cNvPr id="7" name="Slide Number Placeholder 4">
-            <a:extLst>
-              <a:ext uri="{FF2B5EF4-FFF2-40B4-BE49-F238E27FC236}">
-                <a16:creationId xmlns:a16="http://schemas.microsoft.com/office/drawing/2014/main" id="{15D97507-ACA7-4106-B4E3-D5A7EF963AE0}"/>
-              </a:ext>
-            </a:extLst>
-          </p:cNvPr>
-          <p:cNvSpPr txBox="1">
-            <a:spLocks/>
-          </p:cNvSpPr>
-          <p:nvPr/>
-        </p:nvSpPr>
-        <p:spPr>
-          <a:xfrm>
-            <a:off x="8610600" y="6356350"/>
-            <a:ext cx="2743200" cy="365125"/>
-          </a:xfrm>
-          <a:prstGeom prst="rect">
-            <a:avLst/>
-          </a:prstGeom>
-        </p:spPr>
-        <p:txBody>
-          <a:bodyPr vert="horz" lIns="91440" tIns="45720" rIns="91440" bIns="45720" rtlCol="0" anchor="ctr"/>
-          <a:lstStyle>
-            <a:defPPr>
-              <a:defRPr lang="en-US"/>
-            </a:defPPr>
-            <a:lvl1pPr marL="0" algn="r" defTabSz="914400" rtl="0" eaLnBrk="1" latinLnBrk="0" hangingPunct="1">
-              <a:defRPr sz="1200" kern="1200">
-                <a:solidFill>
-                  <a:schemeClr val="tx1">
-                    <a:tint val="75000"/>
-                  </a:schemeClr>
-                </a:solidFill>
-                <a:latin typeface="+mn-lt"/>
-                <a:ea typeface="+mn-ea"/>
-                <a:cs typeface="+mn-cs"/>
-              </a:defRPr>
-            </a:lvl1pPr>
-            <a:lvl2pPr marL="457200" algn="l" defTabSz="914400" rtl="0" eaLnBrk="1" latinLnBrk="0" hangingPunct="1">
-              <a:defRPr sz="1800" kern="1200">
-                <a:solidFill>
-                  <a:schemeClr val="tx1"/>
-                </a:solidFill>
-                <a:latin typeface="+mn-lt"/>
-                <a:ea typeface="+mn-ea"/>
-                <a:cs typeface="+mn-cs"/>
-              </a:defRPr>
-            </a:lvl2pPr>
-            <a:lvl3pPr marL="914400" algn="l" defTabSz="914400" rtl="0" eaLnBrk="1" latinLnBrk="0" hangingPunct="1">
-              <a:defRPr sz="1800" kern="1200">
-                <a:solidFill>
-                  <a:schemeClr val="tx1"/>
-                </a:solidFill>
-                <a:latin typeface="+mn-lt"/>
-                <a:ea typeface="+mn-ea"/>
-                <a:cs typeface="+mn-cs"/>
-              </a:defRPr>
-            </a:lvl3pPr>
-            <a:lvl4pPr marL="1371600" algn="l" defTabSz="914400" rtl="0" eaLnBrk="1" latinLnBrk="0" hangingPunct="1">
-              <a:defRPr sz="1800" kern="1200">
-                <a:solidFill>
-                  <a:schemeClr val="tx1"/>
-                </a:solidFill>
-                <a:latin typeface="+mn-lt"/>
-                <a:ea typeface="+mn-ea"/>
-                <a:cs typeface="+mn-cs"/>
-              </a:defRPr>
-            </a:lvl4pPr>
-            <a:lvl5pPr marL="1828800" algn="l" defTabSz="914400" rtl="0" eaLnBrk="1" latinLnBrk="0" hangingPunct="1">
-              <a:defRPr sz="1800" kern="1200">
-                <a:solidFill>
-                  <a:schemeClr val="tx1"/>
-                </a:solidFill>
-                <a:latin typeface="+mn-lt"/>
-                <a:ea typeface="+mn-ea"/>
-                <a:cs typeface="+mn-cs"/>
-              </a:defRPr>
-            </a:lvl5pPr>
-            <a:lvl6pPr marL="2286000" algn="l" defTabSz="914400" rtl="0" eaLnBrk="1" latinLnBrk="0" hangingPunct="1">
-              <a:defRPr sz="1800" kern="1200">
-                <a:solidFill>
-                  <a:schemeClr val="tx1"/>
-                </a:solidFill>
-                <a:latin typeface="+mn-lt"/>
-                <a:ea typeface="+mn-ea"/>
-                <a:cs typeface="+mn-cs"/>
-              </a:defRPr>
-            </a:lvl6pPr>
-            <a:lvl7pPr marL="2743200" algn="l" defTabSz="914400" rtl="0" eaLnBrk="1" latinLnBrk="0" hangingPunct="1">
-              <a:defRPr sz="1800" kern="1200">
-                <a:solidFill>
-                  <a:schemeClr val="tx1"/>
-                </a:solidFill>
-                <a:latin typeface="+mn-lt"/>
-                <a:ea typeface="+mn-ea"/>
-                <a:cs typeface="+mn-cs"/>
-              </a:defRPr>
-            </a:lvl7pPr>
-            <a:lvl8pPr marL="3200400" algn="l" defTabSz="914400" rtl="0" eaLnBrk="1" latinLnBrk="0" hangingPunct="1">
-              <a:defRPr sz="1800" kern="1200">
-                <a:solidFill>
-                  <a:schemeClr val="tx1"/>
-                </a:solidFill>
-                <a:latin typeface="+mn-lt"/>
-                <a:ea typeface="+mn-ea"/>
-                <a:cs typeface="+mn-cs"/>
-              </a:defRPr>
-            </a:lvl8pPr>
-            <a:lvl9pPr marL="3657600" algn="l" defTabSz="914400" rtl="0" eaLnBrk="1" latinLnBrk="0" hangingPunct="1">
-              <a:defRPr sz="1800" kern="1200">
-                <a:solidFill>
-                  <a:schemeClr val="tx1"/>
-                </a:solidFill>
-                <a:latin typeface="+mn-lt"/>
-                <a:ea typeface="+mn-ea"/>
-                <a:cs typeface="+mn-cs"/>
-              </a:defRPr>
-            </a:lvl9pPr>
-          </a:lstStyle>
-          <a:p>
-            <a:fld id="{047C9011-1666-4CCF-A529-278AFF4FB865}" type="slidenum">
-              <a:rPr lang="en-IN" smtClean="0"/>
-              <a:pPr/>
-              <a:t>18</a:t>
-            </a:fld>
-            <a:endParaRPr lang="en-IN"/>
-          </a:p>
-        </p:txBody>
-      </p:sp>
-      <p:pic>
-        <p:nvPicPr>
-          <p:cNvPr id="8" name="Content Placeholder 7">
-            <a:extLst>
-              <a:ext uri="{FF2B5EF4-FFF2-40B4-BE49-F238E27FC236}">
-                <a16:creationId xmlns:a16="http://schemas.microsoft.com/office/drawing/2014/main" id="{3E711D97-5545-B737-FFFA-43021836DF34}"/>
-              </a:ext>
-            </a:extLst>
-          </p:cNvPr>
-          <p:cNvPicPr>
-            <a:picLocks noChangeAspect="1"/>
-          </p:cNvPicPr>
-          <p:nvPr/>
-        </p:nvPicPr>
-        <p:blipFill>
-          <a:blip r:embed="rId2">
-            <a:extLst>
-              <a:ext uri="{28A0092B-C50C-407E-A947-70E740481C1C}">
-                <a14:useLocalDpi xmlns:a14="http://schemas.microsoft.com/office/drawing/2010/main" val="0"/>
-              </a:ext>
-            </a:extLst>
-          </a:blip>
-          <a:stretch>
-            <a:fillRect/>
-          </a:stretch>
-        </p:blipFill>
-        <p:spPr>
-          <a:xfrm>
-            <a:off x="3547707" y="2524713"/>
-            <a:ext cx="5096586" cy="2953162"/>
-          </a:xfrm>
-          <a:prstGeom prst="rect">
-            <a:avLst/>
-          </a:prstGeom>
-        </p:spPr>
-      </p:pic>
-      <p:pic>
-        <p:nvPicPr>
-          <p:cNvPr id="9" name="Picture 2" descr="White Backgrounds, Free White Powerpoint Background - SlideBackground">
-            <a:extLst>
-              <a:ext uri="{FF2B5EF4-FFF2-40B4-BE49-F238E27FC236}">
-                <a16:creationId xmlns:a16="http://schemas.microsoft.com/office/drawing/2014/main" id="{16974AC9-8998-8D3D-50A2-F5F2AA3989CC}"/>
-              </a:ext>
-            </a:extLst>
-          </p:cNvPr>
-          <p:cNvPicPr>
-            <a:picLocks noChangeAspect="1" noChangeArrowheads="1"/>
-          </p:cNvPicPr>
-          <p:nvPr/>
-        </p:nvPicPr>
-        <p:blipFill>
-          <a:blip r:embed="rId3">
-            <a:extLst>
-              <a:ext uri="{28A0092B-C50C-407E-A947-70E740481C1C}">
-                <a14:useLocalDpi xmlns:a14="http://schemas.microsoft.com/office/drawing/2010/main" val="0"/>
-              </a:ext>
-            </a:extLst>
-          </a:blip>
-          <a:srcRect/>
-          <a:stretch>
-            <a:fillRect/>
-          </a:stretch>
-        </p:blipFill>
-        <p:spPr bwMode="auto">
-          <a:xfrm>
-            <a:off x="0" y="0"/>
-            <a:ext cx="12191999" cy="6858000"/>
-          </a:xfrm>
-          <a:prstGeom prst="rect">
-            <a:avLst/>
-          </a:prstGeom>
-          <a:noFill/>
-          <a:extLst>
-            <a:ext uri="{909E8E84-426E-40DD-AFC4-6F175D3DCCD1}">
-              <a14:hiddenFill xmlns:a14="http://schemas.microsoft.com/office/drawing/2010/main">
-                <a:solidFill>
-                  <a:srgbClr val="FFFFFF"/>
-                </a:solidFill>
-              </a14:hiddenFill>
-            </a:ext>
-          </a:extLst>
-        </p:spPr>
-      </p:pic>
-      <p:sp>
-        <p:nvSpPr>
-          <p:cNvPr id="10" name="Footer Placeholder 4">
-            <a:extLst>
-              <a:ext uri="{FF2B5EF4-FFF2-40B4-BE49-F238E27FC236}">
-                <a16:creationId xmlns:a16="http://schemas.microsoft.com/office/drawing/2014/main" id="{4A246730-9390-8C93-3A5D-34BD2ABD366C}"/>
-              </a:ext>
-            </a:extLst>
-          </p:cNvPr>
-          <p:cNvSpPr txBox="1">
-            <a:spLocks/>
-          </p:cNvSpPr>
-          <p:nvPr/>
-        </p:nvSpPr>
-        <p:spPr>
-          <a:xfrm>
-            <a:off x="4038600" y="6356350"/>
-            <a:ext cx="4114800" cy="365125"/>
-          </a:xfrm>
-          <a:prstGeom prst="rect">
-            <a:avLst/>
-          </a:prstGeom>
-        </p:spPr>
-        <p:txBody>
-          <a:bodyPr vert="horz" lIns="91440" tIns="45720" rIns="91440" bIns="45720" rtlCol="0" anchor="ctr"/>
-          <a:lstStyle>
-            <a:defPPr>
-              <a:defRPr lang="en-US"/>
-            </a:defPPr>
-            <a:lvl1pPr marL="0" algn="ctr" defTabSz="914400" rtl="0" eaLnBrk="1" latinLnBrk="0" hangingPunct="1">
-              <a:defRPr sz="1200" kern="1200">
-                <a:solidFill>
-                  <a:schemeClr val="tx1">
-                    <a:tint val="75000"/>
-                  </a:schemeClr>
-                </a:solidFill>
-                <a:latin typeface="+mn-lt"/>
-                <a:ea typeface="+mn-ea"/>
-                <a:cs typeface="+mn-cs"/>
-              </a:defRPr>
-            </a:lvl1pPr>
-            <a:lvl2pPr marL="457200" algn="l" defTabSz="914400" rtl="0" eaLnBrk="1" latinLnBrk="0" hangingPunct="1">
-              <a:defRPr sz="1800" kern="1200">
-                <a:solidFill>
-                  <a:schemeClr val="tx1"/>
-                </a:solidFill>
-                <a:latin typeface="+mn-lt"/>
-                <a:ea typeface="+mn-ea"/>
-                <a:cs typeface="+mn-cs"/>
-              </a:defRPr>
-            </a:lvl2pPr>
-            <a:lvl3pPr marL="914400" algn="l" defTabSz="914400" rtl="0" eaLnBrk="1" latinLnBrk="0" hangingPunct="1">
-              <a:defRPr sz="1800" kern="1200">
-                <a:solidFill>
-                  <a:schemeClr val="tx1"/>
-                </a:solidFill>
-                <a:latin typeface="+mn-lt"/>
-                <a:ea typeface="+mn-ea"/>
-                <a:cs typeface="+mn-cs"/>
-              </a:defRPr>
-            </a:lvl3pPr>
-            <a:lvl4pPr marL="1371600" algn="l" defTabSz="914400" rtl="0" eaLnBrk="1" latinLnBrk="0" hangingPunct="1">
-              <a:defRPr sz="1800" kern="1200">
-                <a:solidFill>
-                  <a:schemeClr val="tx1"/>
-                </a:solidFill>
-                <a:latin typeface="+mn-lt"/>
-                <a:ea typeface="+mn-ea"/>
-                <a:cs typeface="+mn-cs"/>
-              </a:defRPr>
-            </a:lvl4pPr>
-            <a:lvl5pPr marL="1828800" algn="l" defTabSz="914400" rtl="0" eaLnBrk="1" latinLnBrk="0" hangingPunct="1">
-              <a:defRPr sz="1800" kern="1200">
-                <a:solidFill>
-                  <a:schemeClr val="tx1"/>
-                </a:solidFill>
-                <a:latin typeface="+mn-lt"/>
-                <a:ea typeface="+mn-ea"/>
-                <a:cs typeface="+mn-cs"/>
-              </a:defRPr>
-            </a:lvl5pPr>
-            <a:lvl6pPr marL="2286000" algn="l" defTabSz="914400" rtl="0" eaLnBrk="1" latinLnBrk="0" hangingPunct="1">
-              <a:defRPr sz="1800" kern="1200">
-                <a:solidFill>
-                  <a:schemeClr val="tx1"/>
-                </a:solidFill>
-                <a:latin typeface="+mn-lt"/>
-                <a:ea typeface="+mn-ea"/>
-                <a:cs typeface="+mn-cs"/>
-              </a:defRPr>
-            </a:lvl6pPr>
-            <a:lvl7pPr marL="2743200" algn="l" defTabSz="914400" rtl="0" eaLnBrk="1" latinLnBrk="0" hangingPunct="1">
-              <a:defRPr sz="1800" kern="1200">
-                <a:solidFill>
-                  <a:schemeClr val="tx1"/>
-                </a:solidFill>
-                <a:latin typeface="+mn-lt"/>
-                <a:ea typeface="+mn-ea"/>
-                <a:cs typeface="+mn-cs"/>
-              </a:defRPr>
-            </a:lvl7pPr>
-            <a:lvl8pPr marL="3200400" algn="l" defTabSz="914400" rtl="0" eaLnBrk="1" latinLnBrk="0" hangingPunct="1">
-              <a:defRPr sz="1800" kern="1200">
-                <a:solidFill>
-                  <a:schemeClr val="tx1"/>
-                </a:solidFill>
-                <a:latin typeface="+mn-lt"/>
-                <a:ea typeface="+mn-ea"/>
-                <a:cs typeface="+mn-cs"/>
-              </a:defRPr>
-            </a:lvl8pPr>
-            <a:lvl9pPr marL="3657600" algn="l" defTabSz="914400" rtl="0" eaLnBrk="1" latinLnBrk="0" hangingPunct="1">
-              <a:defRPr sz="1800" kern="1200">
-                <a:solidFill>
-                  <a:schemeClr val="tx1"/>
-                </a:solidFill>
-                <a:latin typeface="+mn-lt"/>
-                <a:ea typeface="+mn-ea"/>
-                <a:cs typeface="+mn-cs"/>
-              </a:defRPr>
-            </a:lvl9pPr>
-          </a:lstStyle>
-          <a:p>
-            <a:r>
-              <a:rPr lang="en-US"/>
-              <a:t>College of Engineering Trivandrum, MCA Department</a:t>
-            </a:r>
-            <a:endParaRPr lang="en-IN"/>
-          </a:p>
-        </p:txBody>
-      </p:sp>
-      <p:sp>
-        <p:nvSpPr>
-          <p:cNvPr id="11" name="Slide Number Placeholder 5">
-            <a:extLst>
-              <a:ext uri="{FF2B5EF4-FFF2-40B4-BE49-F238E27FC236}">
-                <a16:creationId xmlns:a16="http://schemas.microsoft.com/office/drawing/2014/main" id="{ADADB587-8FDC-2574-62CF-709CF01A7FF8}"/>
-              </a:ext>
-            </a:extLst>
-          </p:cNvPr>
-          <p:cNvSpPr txBox="1">
-            <a:spLocks/>
-          </p:cNvSpPr>
-          <p:nvPr/>
-        </p:nvSpPr>
-        <p:spPr>
-          <a:xfrm>
-            <a:off x="8610600" y="6356350"/>
-            <a:ext cx="2743200" cy="365125"/>
-          </a:xfrm>
-          <a:prstGeom prst="rect">
-            <a:avLst/>
-          </a:prstGeom>
-        </p:spPr>
-        <p:txBody>
-          <a:bodyPr vert="horz" lIns="91440" tIns="45720" rIns="91440" bIns="45720" rtlCol="0" anchor="ctr"/>
-          <a:lstStyle>
-            <a:defPPr>
-              <a:defRPr lang="en-US"/>
-            </a:defPPr>
-            <a:lvl1pPr marL="0" algn="r" defTabSz="914400" rtl="0" eaLnBrk="1" latinLnBrk="0" hangingPunct="1">
-              <a:defRPr sz="1200" kern="1200">
-                <a:solidFill>
-                  <a:schemeClr val="tx1">
-                    <a:tint val="75000"/>
-                  </a:schemeClr>
-                </a:solidFill>
-                <a:latin typeface="+mn-lt"/>
-                <a:ea typeface="+mn-ea"/>
-                <a:cs typeface="+mn-cs"/>
-              </a:defRPr>
-            </a:lvl1pPr>
-            <a:lvl2pPr marL="457200" algn="l" defTabSz="914400" rtl="0" eaLnBrk="1" latinLnBrk="0" hangingPunct="1">
-              <a:defRPr sz="1800" kern="1200">
-                <a:solidFill>
-                  <a:schemeClr val="tx1"/>
-                </a:solidFill>
-                <a:latin typeface="+mn-lt"/>
-                <a:ea typeface="+mn-ea"/>
-                <a:cs typeface="+mn-cs"/>
-              </a:defRPr>
-            </a:lvl2pPr>
-            <a:lvl3pPr marL="914400" algn="l" defTabSz="914400" rtl="0" eaLnBrk="1" latinLnBrk="0" hangingPunct="1">
-              <a:defRPr sz="1800" kern="1200">
-                <a:solidFill>
-                  <a:schemeClr val="tx1"/>
-                </a:solidFill>
-                <a:latin typeface="+mn-lt"/>
-                <a:ea typeface="+mn-ea"/>
-                <a:cs typeface="+mn-cs"/>
-              </a:defRPr>
-            </a:lvl3pPr>
-            <a:lvl4pPr marL="1371600" algn="l" defTabSz="914400" rtl="0" eaLnBrk="1" latinLnBrk="0" hangingPunct="1">
-              <a:defRPr sz="1800" kern="1200">
-                <a:solidFill>
-                  <a:schemeClr val="tx1"/>
-                </a:solidFill>
-                <a:latin typeface="+mn-lt"/>
-                <a:ea typeface="+mn-ea"/>
-                <a:cs typeface="+mn-cs"/>
-              </a:defRPr>
-            </a:lvl4pPr>
-            <a:lvl5pPr marL="1828800" algn="l" defTabSz="914400" rtl="0" eaLnBrk="1" latinLnBrk="0" hangingPunct="1">
-              <a:defRPr sz="1800" kern="1200">
-                <a:solidFill>
-                  <a:schemeClr val="tx1"/>
-                </a:solidFill>
-                <a:latin typeface="+mn-lt"/>
-                <a:ea typeface="+mn-ea"/>
-                <a:cs typeface="+mn-cs"/>
-              </a:defRPr>
-            </a:lvl5pPr>
-            <a:lvl6pPr marL="2286000" algn="l" defTabSz="914400" rtl="0" eaLnBrk="1" latinLnBrk="0" hangingPunct="1">
-              <a:defRPr sz="1800" kern="1200">
-                <a:solidFill>
-                  <a:schemeClr val="tx1"/>
-                </a:solidFill>
-                <a:latin typeface="+mn-lt"/>
-                <a:ea typeface="+mn-ea"/>
-                <a:cs typeface="+mn-cs"/>
-              </a:defRPr>
-            </a:lvl6pPr>
-            <a:lvl7pPr marL="2743200" algn="l" defTabSz="914400" rtl="0" eaLnBrk="1" latinLnBrk="0" hangingPunct="1">
-              <a:defRPr sz="1800" kern="1200">
-                <a:solidFill>
-                  <a:schemeClr val="tx1"/>
-                </a:solidFill>
-                <a:latin typeface="+mn-lt"/>
-                <a:ea typeface="+mn-ea"/>
-                <a:cs typeface="+mn-cs"/>
-              </a:defRPr>
-            </a:lvl7pPr>
-            <a:lvl8pPr marL="3200400" algn="l" defTabSz="914400" rtl="0" eaLnBrk="1" latinLnBrk="0" hangingPunct="1">
-              <a:defRPr sz="1800" kern="1200">
-                <a:solidFill>
-                  <a:schemeClr val="tx1"/>
-                </a:solidFill>
-                <a:latin typeface="+mn-lt"/>
-                <a:ea typeface="+mn-ea"/>
-                <a:cs typeface="+mn-cs"/>
-              </a:defRPr>
-            </a:lvl8pPr>
-            <a:lvl9pPr marL="3657600" algn="l" defTabSz="914400" rtl="0" eaLnBrk="1" latinLnBrk="0" hangingPunct="1">
-              <a:defRPr sz="1800" kern="1200">
-                <a:solidFill>
-                  <a:schemeClr val="tx1"/>
-                </a:solidFill>
-                <a:latin typeface="+mn-lt"/>
-                <a:ea typeface="+mn-ea"/>
-                <a:cs typeface="+mn-cs"/>
-              </a:defRPr>
-            </a:lvl9pPr>
-          </a:lstStyle>
-          <a:p>
-            <a:fld id="{047C9011-1666-4CCF-A529-278AFF4FB865}" type="slidenum">
-              <a:rPr lang="en-IN" smtClean="0"/>
-              <a:pPr/>
-              <a:t>18</a:t>
             </a:fld>
             <a:endParaRPr lang="en-IN"/>
           </a:p>
@@ -12973,7 +12067,7 @@
           <a:p>
             <a:r>
               <a:rPr lang="en-US"/>
-              <a:t>College of Engineering Trivandrum, MCA Department</a:t>
+              <a:t>Department of Computer Applications,CET Trivandrum</a:t>
             </a:r>
             <a:endParaRPr lang="en-IN"/>
           </a:p>
@@ -13412,7 +12506,7 @@
           <a:p>
             <a:r>
               <a:rPr lang="en-US"/>
-              <a:t>College of Engineering Trivandrum, MCA Department</a:t>
+              <a:t>Department of Computer Applications,CET Trivandrum</a:t>
             </a:r>
             <a:endParaRPr lang="en-IN"/>
           </a:p>
@@ -13768,7 +12862,7 @@
           <a:p>
             <a:r>
               <a:rPr lang="en-US"/>
-              <a:t>College of Engineering Trivandrum, MCA Department</a:t>
+              <a:t>Department of Computer Applications,CET Trivandrum</a:t>
             </a:r>
             <a:endParaRPr lang="en-IN"/>
           </a:p>
@@ -16181,7 +15275,7 @@
           <a:p>
             <a:r>
               <a:rPr lang="en-US"/>
-              <a:t>College of Engineering Trivandrum, MCA Department</a:t>
+              <a:t>Department of Computer Applications,CET Trivandrum</a:t>
             </a:r>
             <a:endParaRPr lang="en-IN"/>
           </a:p>
@@ -16557,7 +15651,7 @@
           <a:p>
             <a:r>
               <a:rPr lang="en-US"/>
-              <a:t>College of Engineering Trivandrum, MCA Department</a:t>
+              <a:t>Department of Computer Applications,CET Trivandrum</a:t>
             </a:r>
             <a:endParaRPr lang="en-IN"/>
           </a:p>
@@ -16721,7 +15815,7 @@
             </a:pPr>
             <a:r>
               <a:rPr lang="en-IN" sz="2200" dirty="0"/>
-              <a:t>When there is a decrease in any of these sensed values, it sends a signal to the user and the user can turn ON the motor by a simple click on mobile phone.</a:t>
+              <a:t>When there is a increase in any of these sensed values, it sends a signal to the user and the user can turn ON the motor by a simple click on mobile phone.</a:t>
             </a:r>
           </a:p>
         </p:txBody>
@@ -16814,7 +15908,7 @@
           <a:p>
             <a:r>
               <a:rPr lang="en-US"/>
-              <a:t>College of Engineering Trivandrum, MCA Department</a:t>
+              <a:t>Department of Computer Applications,CET Trivandrum</a:t>
             </a:r>
             <a:endParaRPr lang="en-IN"/>
           </a:p>
@@ -17065,7 +16159,7 @@
           <a:p>
             <a:r>
               <a:rPr lang="en-US"/>
-              <a:t>College of Engineering Trivandrum, MCA Department</a:t>
+              <a:t>Department of Computer Applications,CET Trivandrum</a:t>
             </a:r>
             <a:endParaRPr lang="en-IN"/>
           </a:p>
@@ -17639,7 +16733,7 @@
           <a:p>
             <a:r>
               <a:rPr lang="en-US"/>
-              <a:t>College of Engineering Trivandrum, MCA Department</a:t>
+              <a:t>Department of Computer Applications,CET Trivandrum</a:t>
             </a:r>
             <a:endParaRPr lang="en-IN"/>
           </a:p>
